--- a/IPAM-Prezentacja.pptx
+++ b/IPAM-Prezentacja.pptx
@@ -8,10 +8,14 @@
     <p:sldId id="256" r:id="rId2"/>
     <p:sldId id="257" r:id="rId3"/>
     <p:sldId id="258" r:id="rId4"/>
-    <p:sldId id="259" r:id="rId5"/>
-    <p:sldId id="260" r:id="rId6"/>
-    <p:sldId id="261" r:id="rId7"/>
-    <p:sldId id="262" r:id="rId8"/>
+    <p:sldId id="260" r:id="rId5"/>
+    <p:sldId id="261" r:id="rId6"/>
+    <p:sldId id="262" r:id="rId7"/>
+    <p:sldId id="263" r:id="rId8"/>
+    <p:sldId id="264" r:id="rId9"/>
+    <p:sldId id="267" r:id="rId10"/>
+    <p:sldId id="265" r:id="rId11"/>
+    <p:sldId id="266" r:id="rId12"/>
   </p:sldIdLst>
   <p:sldSz cx="9144000" cy="6858000" type="screen4x3"/>
   <p:notesSz cx="6858000" cy="9144000"/>
@@ -4191,6 +4195,668 @@
 </p:sld>
 </file>
 
+<file path=ppt/slides/slide10.xml><?xml version="1.0" encoding="utf-8"?>
+<p:sld xmlns:a="http://schemas.openxmlformats.org/drawingml/2006/main" xmlns:r="http://schemas.openxmlformats.org/officeDocument/2006/relationships" xmlns:p="http://schemas.openxmlformats.org/presentationml/2006/main">
+  <p:cSld>
+    <p:spTree>
+      <p:nvGrpSpPr>
+        <p:cNvPr id="1" name=""/>
+        <p:cNvGrpSpPr/>
+        <p:nvPr/>
+      </p:nvGrpSpPr>
+      <p:grpSpPr>
+        <a:xfrm>
+          <a:off x="0" y="0"/>
+          <a:ext cx="0" cy="0"/>
+          <a:chOff x="0" y="0"/>
+          <a:chExt cx="0" cy="0"/>
+        </a:xfrm>
+      </p:grpSpPr>
+      <p:sp>
+        <p:nvSpPr>
+          <p:cNvPr id="2" name="Tytuł 1"/>
+          <p:cNvSpPr>
+            <a:spLocks noGrp="1"/>
+          </p:cNvSpPr>
+          <p:nvPr>
+            <p:ph type="title"/>
+          </p:nvPr>
+        </p:nvSpPr>
+        <p:spPr/>
+        <p:txBody>
+          <a:bodyPr/>
+          <a:lstStyle/>
+          <a:p>
+            <a:r>
+              <a:rPr lang="pl-PL" dirty="0" smtClean="0"/>
+              <a:t>Wykorzystanie </a:t>
+            </a:r>
+            <a:r>
+              <a:rPr lang="pl-PL" dirty="0" err="1" smtClean="0"/>
+              <a:t>PrivateRoute</a:t>
+            </a:r>
+            <a:endParaRPr lang="pl-PL" dirty="0"/>
+          </a:p>
+        </p:txBody>
+      </p:sp>
+      <p:sp>
+        <p:nvSpPr>
+          <p:cNvPr id="3" name="Symbol zastępczy zawartości 2"/>
+          <p:cNvSpPr>
+            <a:spLocks noGrp="1"/>
+          </p:cNvSpPr>
+          <p:nvPr>
+            <p:ph idx="1"/>
+          </p:nvPr>
+        </p:nvSpPr>
+        <p:spPr/>
+        <p:txBody>
+          <a:bodyPr/>
+          <a:lstStyle/>
+          <a:p>
+            <a:pPr marL="109728" indent="0">
+              <a:buNone/>
+            </a:pPr>
+            <a:endParaRPr lang="pl-PL" dirty="0"/>
+          </a:p>
+        </p:txBody>
+      </p:sp>
+      <p:pic>
+        <p:nvPicPr>
+          <p:cNvPr id="5122" name="Picture 2"/>
+          <p:cNvPicPr>
+            <a:picLocks noChangeAspect="1" noChangeArrowheads="1"/>
+          </p:cNvPicPr>
+          <p:nvPr/>
+        </p:nvPicPr>
+        <p:blipFill>
+          <a:blip r:embed="rId2">
+            <a:extLst>
+              <a:ext uri="{28A0092B-C50C-407E-A947-70E740481C1C}">
+                <a14:useLocalDpi xmlns:a14="http://schemas.microsoft.com/office/drawing/2010/main" val="0"/>
+              </a:ext>
+            </a:extLst>
+          </a:blip>
+          <a:srcRect/>
+          <a:stretch>
+            <a:fillRect/>
+          </a:stretch>
+        </p:blipFill>
+        <p:spPr bwMode="auto">
+          <a:xfrm>
+            <a:off x="2051720" y="2852936"/>
+            <a:ext cx="5040560" cy="827555"/>
+          </a:xfrm>
+          <a:prstGeom prst="rect">
+            <a:avLst/>
+          </a:prstGeom>
+          <a:noFill/>
+          <a:ln>
+            <a:noFill/>
+          </a:ln>
+          <a:effectLst/>
+          <a:extLst>
+            <a:ext uri="{909E8E84-426E-40DD-AFC4-6F175D3DCCD1}">
+              <a14:hiddenFill xmlns:a14="http://schemas.microsoft.com/office/drawing/2010/main">
+                <a:solidFill>
+                  <a:schemeClr val="accent1"/>
+                </a:solidFill>
+              </a14:hiddenFill>
+            </a:ext>
+            <a:ext uri="{91240B29-F687-4F45-9708-019B960494DF}">
+              <a14:hiddenLine xmlns:a14="http://schemas.microsoft.com/office/drawing/2010/main" w="9525">
+                <a:solidFill>
+                  <a:schemeClr val="tx1"/>
+                </a:solidFill>
+                <a:miter lim="800000"/>
+                <a:headEnd/>
+                <a:tailEnd/>
+              </a14:hiddenLine>
+            </a:ext>
+            <a:ext uri="{AF507438-7753-43E0-B8FC-AC1667EBCBE1}">
+              <a14:hiddenEffects xmlns:a14="http://schemas.microsoft.com/office/drawing/2010/main">
+                <a:effectLst>
+                  <a:outerShdw dist="35921" dir="2700000" algn="ctr" rotWithShape="0">
+                    <a:schemeClr val="bg2"/>
+                  </a:outerShdw>
+                </a:effectLst>
+              </a14:hiddenEffects>
+            </a:ext>
+          </a:extLst>
+        </p:spPr>
+      </p:pic>
+    </p:spTree>
+    <p:extLst>
+      <p:ext uri="{BB962C8B-B14F-4D97-AF65-F5344CB8AC3E}">
+        <p14:creationId xmlns:p14="http://schemas.microsoft.com/office/powerpoint/2010/main" val="149446173"/>
+      </p:ext>
+    </p:extLst>
+  </p:cSld>
+  <p:clrMapOvr>
+    <a:masterClrMapping/>
+  </p:clrMapOvr>
+  <p:timing>
+    <p:tnLst>
+      <p:par>
+        <p:cTn id="1" dur="indefinite" restart="never" nodeType="tmRoot"/>
+      </p:par>
+    </p:tnLst>
+  </p:timing>
+</p:sld>
+</file>
+
+<file path=ppt/slides/slide11.xml><?xml version="1.0" encoding="utf-8"?>
+<p:sld xmlns:a="http://schemas.openxmlformats.org/drawingml/2006/main" xmlns:r="http://schemas.openxmlformats.org/officeDocument/2006/relationships" xmlns:p="http://schemas.openxmlformats.org/presentationml/2006/main">
+  <p:cSld>
+    <p:spTree>
+      <p:nvGrpSpPr>
+        <p:cNvPr id="1" name=""/>
+        <p:cNvGrpSpPr/>
+        <p:nvPr/>
+      </p:nvGrpSpPr>
+      <p:grpSpPr>
+        <a:xfrm>
+          <a:off x="0" y="0"/>
+          <a:ext cx="0" cy="0"/>
+          <a:chOff x="0" y="0"/>
+          <a:chExt cx="0" cy="0"/>
+        </a:xfrm>
+      </p:grpSpPr>
+      <p:sp>
+        <p:nvSpPr>
+          <p:cNvPr id="2" name="Tytuł 1"/>
+          <p:cNvSpPr>
+            <a:spLocks noGrp="1"/>
+          </p:cNvSpPr>
+          <p:nvPr>
+            <p:ph type="title"/>
+          </p:nvPr>
+        </p:nvSpPr>
+        <p:spPr/>
+        <p:txBody>
+          <a:bodyPr/>
+          <a:lstStyle/>
+          <a:p>
+            <a:r>
+              <a:rPr lang="pl-PL" dirty="0" smtClean="0"/>
+              <a:t>Sparametryzowany komponent</a:t>
+            </a:r>
+            <a:endParaRPr lang="pl-PL" dirty="0"/>
+          </a:p>
+        </p:txBody>
+      </p:sp>
+      <p:sp>
+        <p:nvSpPr>
+          <p:cNvPr id="3" name="Symbol zastępczy zawartości 2"/>
+          <p:cNvSpPr>
+            <a:spLocks noGrp="1"/>
+          </p:cNvSpPr>
+          <p:nvPr>
+            <p:ph idx="1"/>
+          </p:nvPr>
+        </p:nvSpPr>
+        <p:spPr/>
+        <p:txBody>
+          <a:bodyPr/>
+          <a:lstStyle/>
+          <a:p>
+            <a:endParaRPr lang="pl-PL" dirty="0"/>
+          </a:p>
+        </p:txBody>
+      </p:sp>
+      <p:pic>
+        <p:nvPicPr>
+          <p:cNvPr id="7171" name="Picture 3"/>
+          <p:cNvPicPr>
+            <a:picLocks noChangeAspect="1" noChangeArrowheads="1"/>
+          </p:cNvPicPr>
+          <p:nvPr/>
+        </p:nvPicPr>
+        <p:blipFill>
+          <a:blip r:embed="rId2">
+            <a:extLst>
+              <a:ext uri="{28A0092B-C50C-407E-A947-70E740481C1C}">
+                <a14:useLocalDpi xmlns:a14="http://schemas.microsoft.com/office/drawing/2010/main" val="0"/>
+              </a:ext>
+            </a:extLst>
+          </a:blip>
+          <a:srcRect/>
+          <a:stretch>
+            <a:fillRect/>
+          </a:stretch>
+        </p:blipFill>
+        <p:spPr bwMode="auto">
+          <a:xfrm>
+            <a:off x="323528" y="2366590"/>
+            <a:ext cx="8640960" cy="362917"/>
+          </a:xfrm>
+          <a:prstGeom prst="rect">
+            <a:avLst/>
+          </a:prstGeom>
+          <a:noFill/>
+          <a:ln>
+            <a:noFill/>
+          </a:ln>
+          <a:effectLst/>
+          <a:extLst>
+            <a:ext uri="{909E8E84-426E-40DD-AFC4-6F175D3DCCD1}">
+              <a14:hiddenFill xmlns:a14="http://schemas.microsoft.com/office/drawing/2010/main">
+                <a:solidFill>
+                  <a:schemeClr val="accent1"/>
+                </a:solidFill>
+              </a14:hiddenFill>
+            </a:ext>
+            <a:ext uri="{91240B29-F687-4F45-9708-019B960494DF}">
+              <a14:hiddenLine xmlns:a14="http://schemas.microsoft.com/office/drawing/2010/main" w="9525">
+                <a:solidFill>
+                  <a:schemeClr val="tx1"/>
+                </a:solidFill>
+                <a:miter lim="800000"/>
+                <a:headEnd/>
+                <a:tailEnd/>
+              </a14:hiddenLine>
+            </a:ext>
+            <a:ext uri="{AF507438-7753-43E0-B8FC-AC1667EBCBE1}">
+              <a14:hiddenEffects xmlns:a14="http://schemas.microsoft.com/office/drawing/2010/main">
+                <a:effectLst>
+                  <a:outerShdw dist="35921" dir="2700000" algn="ctr" rotWithShape="0">
+                    <a:schemeClr val="bg2"/>
+                  </a:outerShdw>
+                </a:effectLst>
+              </a14:hiddenEffects>
+            </a:ext>
+          </a:extLst>
+        </p:spPr>
+      </p:pic>
+      <p:pic>
+        <p:nvPicPr>
+          <p:cNvPr id="7172" name="Picture 4"/>
+          <p:cNvPicPr>
+            <a:picLocks noChangeAspect="1" noChangeArrowheads="1"/>
+          </p:cNvPicPr>
+          <p:nvPr/>
+        </p:nvPicPr>
+        <p:blipFill>
+          <a:blip r:embed="rId3">
+            <a:extLst>
+              <a:ext uri="{28A0092B-C50C-407E-A947-70E740481C1C}">
+                <a14:useLocalDpi xmlns:a14="http://schemas.microsoft.com/office/drawing/2010/main" val="0"/>
+              </a:ext>
+            </a:extLst>
+          </a:blip>
+          <a:srcRect/>
+          <a:stretch>
+            <a:fillRect/>
+          </a:stretch>
+        </p:blipFill>
+        <p:spPr bwMode="auto">
+          <a:xfrm>
+            <a:off x="598905" y="2957512"/>
+            <a:ext cx="7926387" cy="295275"/>
+          </a:xfrm>
+          <a:prstGeom prst="rect">
+            <a:avLst/>
+          </a:prstGeom>
+          <a:noFill/>
+          <a:ln>
+            <a:noFill/>
+          </a:ln>
+          <a:effectLst/>
+          <a:extLst>
+            <a:ext uri="{909E8E84-426E-40DD-AFC4-6F175D3DCCD1}">
+              <a14:hiddenFill xmlns:a14="http://schemas.microsoft.com/office/drawing/2010/main">
+                <a:solidFill>
+                  <a:schemeClr val="accent1"/>
+                </a:solidFill>
+              </a14:hiddenFill>
+            </a:ext>
+            <a:ext uri="{91240B29-F687-4F45-9708-019B960494DF}">
+              <a14:hiddenLine xmlns:a14="http://schemas.microsoft.com/office/drawing/2010/main" w="9525">
+                <a:solidFill>
+                  <a:schemeClr val="tx1"/>
+                </a:solidFill>
+                <a:miter lim="800000"/>
+                <a:headEnd/>
+                <a:tailEnd/>
+              </a14:hiddenLine>
+            </a:ext>
+            <a:ext uri="{AF507438-7753-43E0-B8FC-AC1667EBCBE1}">
+              <a14:hiddenEffects xmlns:a14="http://schemas.microsoft.com/office/drawing/2010/main">
+                <a:effectLst>
+                  <a:outerShdw dist="35921" dir="2700000" algn="ctr" rotWithShape="0">
+                    <a:schemeClr val="bg2"/>
+                  </a:outerShdw>
+                </a:effectLst>
+              </a14:hiddenEffects>
+            </a:ext>
+          </a:extLst>
+        </p:spPr>
+      </p:pic>
+      <p:pic>
+        <p:nvPicPr>
+          <p:cNvPr id="7173" name="Picture 5"/>
+          <p:cNvPicPr>
+            <a:picLocks noChangeAspect="1" noChangeArrowheads="1"/>
+          </p:cNvPicPr>
+          <p:nvPr/>
+        </p:nvPicPr>
+        <p:blipFill>
+          <a:blip r:embed="rId4">
+            <a:extLst>
+              <a:ext uri="{28A0092B-C50C-407E-A947-70E740481C1C}">
+                <a14:useLocalDpi xmlns:a14="http://schemas.microsoft.com/office/drawing/2010/main" val="0"/>
+              </a:ext>
+            </a:extLst>
+          </a:blip>
+          <a:srcRect/>
+          <a:stretch>
+            <a:fillRect/>
+          </a:stretch>
+        </p:blipFill>
+        <p:spPr bwMode="auto">
+          <a:xfrm>
+            <a:off x="1874733" y="3573016"/>
+            <a:ext cx="5305425" cy="371475"/>
+          </a:xfrm>
+          <a:prstGeom prst="rect">
+            <a:avLst/>
+          </a:prstGeom>
+          <a:noFill/>
+          <a:ln>
+            <a:noFill/>
+          </a:ln>
+          <a:effectLst/>
+          <a:extLst>
+            <a:ext uri="{909E8E84-426E-40DD-AFC4-6F175D3DCCD1}">
+              <a14:hiddenFill xmlns:a14="http://schemas.microsoft.com/office/drawing/2010/main">
+                <a:solidFill>
+                  <a:schemeClr val="accent1"/>
+                </a:solidFill>
+              </a14:hiddenFill>
+            </a:ext>
+            <a:ext uri="{91240B29-F687-4F45-9708-019B960494DF}">
+              <a14:hiddenLine xmlns:a14="http://schemas.microsoft.com/office/drawing/2010/main" w="9525">
+                <a:solidFill>
+                  <a:schemeClr val="tx1"/>
+                </a:solidFill>
+                <a:miter lim="800000"/>
+                <a:headEnd/>
+                <a:tailEnd/>
+              </a14:hiddenLine>
+            </a:ext>
+            <a:ext uri="{AF507438-7753-43E0-B8FC-AC1667EBCBE1}">
+              <a14:hiddenEffects xmlns:a14="http://schemas.microsoft.com/office/drawing/2010/main">
+                <a:effectLst>
+                  <a:outerShdw dist="35921" dir="2700000" algn="ctr" rotWithShape="0">
+                    <a:schemeClr val="bg2"/>
+                  </a:outerShdw>
+                </a:effectLst>
+              </a14:hiddenEffects>
+            </a:ext>
+          </a:extLst>
+        </p:spPr>
+      </p:pic>
+      <p:pic>
+        <p:nvPicPr>
+          <p:cNvPr id="7174" name="Picture 6"/>
+          <p:cNvPicPr>
+            <a:picLocks noChangeAspect="1" noChangeArrowheads="1"/>
+          </p:cNvPicPr>
+          <p:nvPr/>
+        </p:nvPicPr>
+        <p:blipFill>
+          <a:blip r:embed="rId5">
+            <a:extLst>
+              <a:ext uri="{28A0092B-C50C-407E-A947-70E740481C1C}">
+                <a14:useLocalDpi xmlns:a14="http://schemas.microsoft.com/office/drawing/2010/main" val="0"/>
+              </a:ext>
+            </a:extLst>
+          </a:blip>
+          <a:srcRect/>
+          <a:stretch>
+            <a:fillRect/>
+          </a:stretch>
+        </p:blipFill>
+        <p:spPr bwMode="auto">
+          <a:xfrm>
+            <a:off x="42628" y="2023512"/>
+            <a:ext cx="8969633" cy="3240360"/>
+          </a:xfrm>
+          <a:prstGeom prst="rect">
+            <a:avLst/>
+          </a:prstGeom>
+          <a:noFill/>
+          <a:ln>
+            <a:noFill/>
+          </a:ln>
+          <a:effectLst/>
+          <a:extLst>
+            <a:ext uri="{909E8E84-426E-40DD-AFC4-6F175D3DCCD1}">
+              <a14:hiddenFill xmlns:a14="http://schemas.microsoft.com/office/drawing/2010/main">
+                <a:solidFill>
+                  <a:schemeClr val="accent1"/>
+                </a:solidFill>
+              </a14:hiddenFill>
+            </a:ext>
+            <a:ext uri="{91240B29-F687-4F45-9708-019B960494DF}">
+              <a14:hiddenLine xmlns:a14="http://schemas.microsoft.com/office/drawing/2010/main" w="9525">
+                <a:solidFill>
+                  <a:schemeClr val="tx1"/>
+                </a:solidFill>
+                <a:miter lim="800000"/>
+                <a:headEnd/>
+                <a:tailEnd/>
+              </a14:hiddenLine>
+            </a:ext>
+            <a:ext uri="{AF507438-7753-43E0-B8FC-AC1667EBCBE1}">
+              <a14:hiddenEffects xmlns:a14="http://schemas.microsoft.com/office/drawing/2010/main">
+                <a:effectLst>
+                  <a:outerShdw dist="35921" dir="2700000" algn="ctr" rotWithShape="0">
+                    <a:schemeClr val="bg2"/>
+                  </a:outerShdw>
+                </a:effectLst>
+              </a14:hiddenEffects>
+            </a:ext>
+          </a:extLst>
+        </p:spPr>
+      </p:pic>
+      <p:pic>
+        <p:nvPicPr>
+          <p:cNvPr id="7175" name="Picture 7"/>
+          <p:cNvPicPr>
+            <a:picLocks noChangeAspect="1" noChangeArrowheads="1"/>
+          </p:cNvPicPr>
+          <p:nvPr/>
+        </p:nvPicPr>
+        <p:blipFill>
+          <a:blip r:embed="rId6">
+            <a:extLst>
+              <a:ext uri="{28A0092B-C50C-407E-A947-70E740481C1C}">
+                <a14:useLocalDpi xmlns:a14="http://schemas.microsoft.com/office/drawing/2010/main" val="0"/>
+              </a:ext>
+            </a:extLst>
+          </a:blip>
+          <a:srcRect/>
+          <a:stretch>
+            <a:fillRect/>
+          </a:stretch>
+        </p:blipFill>
+        <p:spPr bwMode="auto">
+          <a:xfrm>
+            <a:off x="35496" y="4227532"/>
+            <a:ext cx="8976765" cy="2522923"/>
+          </a:xfrm>
+          <a:prstGeom prst="rect">
+            <a:avLst/>
+          </a:prstGeom>
+          <a:noFill/>
+          <a:ln>
+            <a:noFill/>
+          </a:ln>
+          <a:effectLst/>
+          <a:extLst>
+            <a:ext uri="{909E8E84-426E-40DD-AFC4-6F175D3DCCD1}">
+              <a14:hiddenFill xmlns:a14="http://schemas.microsoft.com/office/drawing/2010/main">
+                <a:solidFill>
+                  <a:schemeClr val="accent1"/>
+                </a:solidFill>
+              </a14:hiddenFill>
+            </a:ext>
+            <a:ext uri="{91240B29-F687-4F45-9708-019B960494DF}">
+              <a14:hiddenLine xmlns:a14="http://schemas.microsoft.com/office/drawing/2010/main" w="9525">
+                <a:solidFill>
+                  <a:schemeClr val="tx1"/>
+                </a:solidFill>
+                <a:miter lim="800000"/>
+                <a:headEnd/>
+                <a:tailEnd/>
+              </a14:hiddenLine>
+            </a:ext>
+            <a:ext uri="{AF507438-7753-43E0-B8FC-AC1667EBCBE1}">
+              <a14:hiddenEffects xmlns:a14="http://schemas.microsoft.com/office/drawing/2010/main">
+                <a:effectLst>
+                  <a:outerShdw dist="35921" dir="2700000" algn="ctr" rotWithShape="0">
+                    <a:schemeClr val="bg2"/>
+                  </a:outerShdw>
+                </a:effectLst>
+              </a14:hiddenEffects>
+            </a:ext>
+          </a:extLst>
+        </p:spPr>
+      </p:pic>
+    </p:spTree>
+    <p:extLst>
+      <p:ext uri="{BB962C8B-B14F-4D97-AF65-F5344CB8AC3E}">
+        <p14:creationId xmlns:p14="http://schemas.microsoft.com/office/powerpoint/2010/main" val="2041387448"/>
+      </p:ext>
+    </p:extLst>
+  </p:cSld>
+  <p:clrMapOvr>
+    <a:masterClrMapping/>
+  </p:clrMapOvr>
+  <p:timing>
+    <p:tnLst>
+      <p:par>
+        <p:cTn id="1" dur="indefinite" restart="never" nodeType="tmRoot">
+          <p:childTnLst>
+            <p:seq concurrent="1" nextAc="seek">
+              <p:cTn id="2" dur="indefinite" nodeType="mainSeq">
+                <p:childTnLst>
+                  <p:par>
+                    <p:cTn id="3" fill="hold">
+                      <p:stCondLst>
+                        <p:cond delay="indefinite"/>
+                      </p:stCondLst>
+                      <p:childTnLst>
+                        <p:par>
+                          <p:cTn id="4" fill="hold">
+                            <p:stCondLst>
+                              <p:cond delay="0"/>
+                            </p:stCondLst>
+                            <p:childTnLst>
+                              <p:par>
+                                <p:cTn id="5" presetID="1" presetClass="entr" presetSubtype="0" fill="hold" nodeType="clickEffect">
+                                  <p:stCondLst>
+                                    <p:cond delay="0"/>
+                                  </p:stCondLst>
+                                  <p:childTnLst>
+                                    <p:set>
+                                      <p:cBhvr>
+                                        <p:cTn id="6" dur="1" fill="hold">
+                                          <p:stCondLst>
+                                            <p:cond delay="0"/>
+                                          </p:stCondLst>
+                                        </p:cTn>
+                                        <p:tgtEl>
+                                          <p:spTgt spid="7174"/>
+                                        </p:tgtEl>
+                                        <p:attrNameLst>
+                                          <p:attrName>style.visibility</p:attrName>
+                                        </p:attrNameLst>
+                                      </p:cBhvr>
+                                      <p:to>
+                                        <p:strVal val="visible"/>
+                                      </p:to>
+                                    </p:set>
+                                  </p:childTnLst>
+                                </p:cTn>
+                              </p:par>
+                            </p:childTnLst>
+                          </p:cTn>
+                        </p:par>
+                      </p:childTnLst>
+                    </p:cTn>
+                  </p:par>
+                  <p:par>
+                    <p:cTn id="7" fill="hold">
+                      <p:stCondLst>
+                        <p:cond delay="indefinite"/>
+                      </p:stCondLst>
+                      <p:childTnLst>
+                        <p:par>
+                          <p:cTn id="8" fill="hold">
+                            <p:stCondLst>
+                              <p:cond delay="0"/>
+                            </p:stCondLst>
+                            <p:childTnLst>
+                              <p:par>
+                                <p:cTn id="9" presetID="1" presetClass="entr" presetSubtype="0" fill="hold" nodeType="clickEffect">
+                                  <p:stCondLst>
+                                    <p:cond delay="0"/>
+                                  </p:stCondLst>
+                                  <p:childTnLst>
+                                    <p:set>
+                                      <p:cBhvr>
+                                        <p:cTn id="10" dur="1" fill="hold">
+                                          <p:stCondLst>
+                                            <p:cond delay="0"/>
+                                          </p:stCondLst>
+                                        </p:cTn>
+                                        <p:tgtEl>
+                                          <p:spTgt spid="7175"/>
+                                        </p:tgtEl>
+                                        <p:attrNameLst>
+                                          <p:attrName>style.visibility</p:attrName>
+                                        </p:attrNameLst>
+                                      </p:cBhvr>
+                                      <p:to>
+                                        <p:strVal val="visible"/>
+                                      </p:to>
+                                    </p:set>
+                                  </p:childTnLst>
+                                </p:cTn>
+                              </p:par>
+                            </p:childTnLst>
+                          </p:cTn>
+                        </p:par>
+                      </p:childTnLst>
+                    </p:cTn>
+                  </p:par>
+                </p:childTnLst>
+              </p:cTn>
+              <p:prevCondLst>
+                <p:cond evt="onPrev" delay="0">
+                  <p:tgtEl>
+                    <p:sldTgt/>
+                  </p:tgtEl>
+                </p:cond>
+              </p:prevCondLst>
+              <p:nextCondLst>
+                <p:cond evt="onNext" delay="0">
+                  <p:tgtEl>
+                    <p:sldTgt/>
+                  </p:tgtEl>
+                </p:cond>
+              </p:nextCondLst>
+            </p:seq>
+          </p:childTnLst>
+        </p:cTn>
+      </p:par>
+    </p:tnLst>
+  </p:timing>
+</p:sld>
+</file>
+
 <file path=ppt/slides/slide2.xml><?xml version="1.0" encoding="utf-8"?>
 <p:sld xmlns:a="http://schemas.openxmlformats.org/drawingml/2006/main" xmlns:r="http://schemas.openxmlformats.org/officeDocument/2006/relationships" xmlns:p="http://schemas.openxmlformats.org/presentationml/2006/main">
   <p:cSld>
@@ -4474,6 +5140,22 @@
               <a:rPr lang="pl-PL" dirty="0" err="1" smtClean="0"/>
               <a:t>Delete</a:t>
             </a:r>
+            <a:endParaRPr lang="pl-PL" dirty="0" smtClean="0"/>
+          </a:p>
+          <a:p>
+            <a:endParaRPr lang="pl-PL" dirty="0"/>
+          </a:p>
+          <a:p>
+            <a:endParaRPr lang="pl-PL" dirty="0" smtClean="0"/>
+          </a:p>
+          <a:p>
+            <a:endParaRPr lang="pl-PL" dirty="0" smtClean="0"/>
+          </a:p>
+          <a:p>
+            <a:r>
+              <a:rPr lang="pl-PL" dirty="0" smtClean="0"/>
+              <a:t>Import/Eksport</a:t>
+            </a:r>
             <a:endParaRPr lang="pl-PL" dirty="0"/>
           </a:p>
         </p:txBody>
@@ -4501,8 +5183,72 @@
         </p:blipFill>
         <p:spPr bwMode="auto">
           <a:xfrm>
-            <a:off x="3779912" y="2348880"/>
+            <a:off x="3896143" y="2091765"/>
             <a:ext cx="1828800" cy="2733675"/>
+          </a:xfrm>
+          <a:prstGeom prst="rect">
+            <a:avLst/>
+          </a:prstGeom>
+          <a:noFill/>
+          <a:ln>
+            <a:noFill/>
+          </a:ln>
+          <a:effectLst/>
+          <a:extLst>
+            <a:ext uri="{909E8E84-426E-40DD-AFC4-6F175D3DCCD1}">
+              <a14:hiddenFill xmlns:a14="http://schemas.microsoft.com/office/drawing/2010/main">
+                <a:solidFill>
+                  <a:schemeClr val="accent1"/>
+                </a:solidFill>
+              </a14:hiddenFill>
+            </a:ext>
+            <a:ext uri="{91240B29-F687-4F45-9708-019B960494DF}">
+              <a14:hiddenLine xmlns:a14="http://schemas.microsoft.com/office/drawing/2010/main" w="9525">
+                <a:solidFill>
+                  <a:schemeClr val="tx1"/>
+                </a:solidFill>
+                <a:miter lim="800000"/>
+                <a:headEnd/>
+                <a:tailEnd/>
+              </a14:hiddenLine>
+            </a:ext>
+            <a:ext uri="{AF507438-7753-43E0-B8FC-AC1667EBCBE1}">
+              <a14:hiddenEffects xmlns:a14="http://schemas.microsoft.com/office/drawing/2010/main">
+                <a:effectLst>
+                  <a:outerShdw dist="35921" dir="2700000" algn="ctr" rotWithShape="0">
+                    <a:schemeClr val="bg2"/>
+                  </a:outerShdw>
+                </a:effectLst>
+              </a14:hiddenEffects>
+            </a:ext>
+          </a:extLst>
+        </p:spPr>
+      </p:pic>
+      <p:pic>
+        <p:nvPicPr>
+          <p:cNvPr id="6" name="Picture 2"/>
+          <p:cNvPicPr>
+            <a:picLocks noChangeAspect="1" noChangeArrowheads="1"/>
+          </p:cNvPicPr>
+          <p:nvPr/>
+        </p:nvPicPr>
+        <p:blipFill>
+          <a:blip r:embed="rId3">
+            <a:extLst>
+              <a:ext uri="{28A0092B-C50C-407E-A947-70E740481C1C}">
+                <a14:useLocalDpi xmlns:a14="http://schemas.microsoft.com/office/drawing/2010/main" val="0"/>
+              </a:ext>
+            </a:extLst>
+          </a:blip>
+          <a:srcRect/>
+          <a:stretch>
+            <a:fillRect/>
+          </a:stretch>
+        </p:blipFill>
+        <p:spPr bwMode="auto">
+          <a:xfrm>
+            <a:off x="3896143" y="5229200"/>
+            <a:ext cx="1857375" cy="1152525"/>
           </a:xfrm>
           <a:prstGeom prst="rect">
             <a:avLst/>
@@ -4596,201 +5342,7 @@
           <a:p>
             <a:r>
               <a:rPr lang="pl-PL" dirty="0" smtClean="0"/>
-              <a:t>Import/Eksport</a:t>
-            </a:r>
-            <a:endParaRPr lang="pl-PL" dirty="0"/>
-          </a:p>
-        </p:txBody>
-      </p:sp>
-      <p:pic>
-        <p:nvPicPr>
-          <p:cNvPr id="3074" name="Picture 2"/>
-          <p:cNvPicPr>
-            <a:picLocks noGrp="1" noChangeAspect="1" noChangeArrowheads="1"/>
-          </p:cNvPicPr>
-          <p:nvPr>
-            <p:ph idx="1"/>
-          </p:nvPr>
-        </p:nvPicPr>
-        <p:blipFill>
-          <a:blip r:embed="rId2">
-            <a:extLst>
-              <a:ext uri="{28A0092B-C50C-407E-A947-70E740481C1C}">
-                <a14:useLocalDpi xmlns:a14="http://schemas.microsoft.com/office/drawing/2010/main" val="0"/>
-              </a:ext>
-            </a:extLst>
-          </a:blip>
-          <a:srcRect/>
-          <a:stretch>
-            <a:fillRect/>
-          </a:stretch>
-        </p:blipFill>
-        <p:spPr bwMode="auto">
-          <a:xfrm>
-            <a:off x="395536" y="3429000"/>
-            <a:ext cx="2304257" cy="707126"/>
-          </a:xfrm>
-          <a:prstGeom prst="rect">
-            <a:avLst/>
-          </a:prstGeom>
-          <a:noFill/>
-          <a:ln>
-            <a:noFill/>
-          </a:ln>
-          <a:effectLst/>
-          <a:extLst>
-            <a:ext uri="{909E8E84-426E-40DD-AFC4-6F175D3DCCD1}">
-              <a14:hiddenFill xmlns:a14="http://schemas.microsoft.com/office/drawing/2010/main">
-                <a:solidFill>
-                  <a:schemeClr val="accent1"/>
-                </a:solidFill>
-              </a14:hiddenFill>
-            </a:ext>
-            <a:ext uri="{91240B29-F687-4F45-9708-019B960494DF}">
-              <a14:hiddenLine xmlns:a14="http://schemas.microsoft.com/office/drawing/2010/main" w="9525">
-                <a:solidFill>
-                  <a:schemeClr val="tx1"/>
-                </a:solidFill>
-                <a:miter lim="800000"/>
-                <a:headEnd/>
-                <a:tailEnd/>
-              </a14:hiddenLine>
-            </a:ext>
-            <a:ext uri="{AF507438-7753-43E0-B8FC-AC1667EBCBE1}">
-              <a14:hiddenEffects xmlns:a14="http://schemas.microsoft.com/office/drawing/2010/main">
-                <a:effectLst>
-                  <a:outerShdw dist="35921" dir="2700000" algn="ctr" rotWithShape="0">
-                    <a:schemeClr val="bg2"/>
-                  </a:outerShdw>
-                </a:effectLst>
-              </a14:hiddenEffects>
-            </a:ext>
-          </a:extLst>
-        </p:spPr>
-      </p:pic>
-      <p:pic>
-        <p:nvPicPr>
-          <p:cNvPr id="3075" name="Picture 3"/>
-          <p:cNvPicPr>
-            <a:picLocks noChangeAspect="1" noChangeArrowheads="1"/>
-          </p:cNvPicPr>
-          <p:nvPr/>
-        </p:nvPicPr>
-        <p:blipFill>
-          <a:blip r:embed="rId3" cstate="print">
-            <a:extLst>
-              <a:ext uri="{28A0092B-C50C-407E-A947-70E740481C1C}">
-                <a14:useLocalDpi xmlns:a14="http://schemas.microsoft.com/office/drawing/2010/main" val="0"/>
-              </a:ext>
-            </a:extLst>
-          </a:blip>
-          <a:srcRect/>
-          <a:stretch>
-            <a:fillRect/>
-          </a:stretch>
-        </p:blipFill>
-        <p:spPr bwMode="auto">
-          <a:xfrm>
-            <a:off x="2987824" y="2492896"/>
-            <a:ext cx="5904656" cy="2806045"/>
-          </a:xfrm>
-          <a:prstGeom prst="rect">
-            <a:avLst/>
-          </a:prstGeom>
-          <a:noFill/>
-          <a:ln>
-            <a:noFill/>
-          </a:ln>
-          <a:effectLst/>
-          <a:extLst>
-            <a:ext uri="{909E8E84-426E-40DD-AFC4-6F175D3DCCD1}">
-              <a14:hiddenFill xmlns:a14="http://schemas.microsoft.com/office/drawing/2010/main">
-                <a:solidFill>
-                  <a:schemeClr val="accent1"/>
-                </a:solidFill>
-              </a14:hiddenFill>
-            </a:ext>
-            <a:ext uri="{91240B29-F687-4F45-9708-019B960494DF}">
-              <a14:hiddenLine xmlns:a14="http://schemas.microsoft.com/office/drawing/2010/main" w="9525">
-                <a:solidFill>
-                  <a:schemeClr val="tx1"/>
-                </a:solidFill>
-                <a:miter lim="800000"/>
-                <a:headEnd/>
-                <a:tailEnd/>
-              </a14:hiddenLine>
-            </a:ext>
-            <a:ext uri="{AF507438-7753-43E0-B8FC-AC1667EBCBE1}">
-              <a14:hiddenEffects xmlns:a14="http://schemas.microsoft.com/office/drawing/2010/main">
-                <a:effectLst>
-                  <a:outerShdw dist="35921" dir="2700000" algn="ctr" rotWithShape="0">
-                    <a:schemeClr val="bg2"/>
-                  </a:outerShdw>
-                </a:effectLst>
-              </a14:hiddenEffects>
-            </a:ext>
-          </a:extLst>
-        </p:spPr>
-      </p:pic>
-    </p:spTree>
-    <p:extLst>
-      <p:ext uri="{BB962C8B-B14F-4D97-AF65-F5344CB8AC3E}">
-        <p14:creationId xmlns:p14="http://schemas.microsoft.com/office/powerpoint/2010/main" val="3100946239"/>
-      </p:ext>
-    </p:extLst>
-  </p:cSld>
-  <p:clrMapOvr>
-    <a:masterClrMapping/>
-  </p:clrMapOvr>
-  <p:timing>
-    <p:tnLst>
-      <p:par>
-        <p:cTn id="1" dur="indefinite" restart="never" nodeType="tmRoot"/>
-      </p:par>
-    </p:tnLst>
-  </p:timing>
-</p:sld>
-</file>
-
-<file path=ppt/slides/slide5.xml><?xml version="1.0" encoding="utf-8"?>
-<p:sld xmlns:a="http://schemas.openxmlformats.org/drawingml/2006/main" xmlns:r="http://schemas.openxmlformats.org/officeDocument/2006/relationships" xmlns:p="http://schemas.openxmlformats.org/presentationml/2006/main">
-  <p:cSld>
-    <p:spTree>
-      <p:nvGrpSpPr>
-        <p:cNvPr id="1" name=""/>
-        <p:cNvGrpSpPr/>
-        <p:nvPr/>
-      </p:nvGrpSpPr>
-      <p:grpSpPr>
-        <a:xfrm>
-          <a:off x="0" y="0"/>
-          <a:ext cx="0" cy="0"/>
-          <a:chOff x="0" y="0"/>
-          <a:chExt cx="0" cy="0"/>
-        </a:xfrm>
-      </p:grpSpPr>
-      <p:sp>
-        <p:nvSpPr>
-          <p:cNvPr id="2" name="Tytuł 1"/>
-          <p:cNvSpPr>
-            <a:spLocks noGrp="1"/>
-          </p:cNvSpPr>
-          <p:nvPr>
-            <p:ph type="title"/>
-          </p:nvPr>
-        </p:nvSpPr>
-        <p:spPr/>
-        <p:txBody>
-          <a:bodyPr/>
-          <a:lstStyle/>
-          <a:p>
-            <a:r>
-              <a:rPr lang="pl-PL" dirty="0" smtClean="0"/>
-              <a:t>Instrukcja </a:t>
-            </a:r>
-            <a:r>
-              <a:rPr lang="pl-PL" dirty="0" smtClean="0"/>
-              <a:t>użytkownika - przykład</a:t>
+              <a:t>Instrukcja użytkownika - przykład</a:t>
             </a:r>
             <a:endParaRPr lang="pl-PL" dirty="0"/>
           </a:p>
@@ -5188,6 +5740,85 @@
 </p:sld>
 </file>
 
+<file path=ppt/slides/slide5.xml><?xml version="1.0" encoding="utf-8"?>
+<p:sld xmlns:a="http://schemas.openxmlformats.org/drawingml/2006/main" xmlns:r="http://schemas.openxmlformats.org/officeDocument/2006/relationships" xmlns:p="http://schemas.openxmlformats.org/presentationml/2006/main">
+  <p:cSld>
+    <p:spTree>
+      <p:nvGrpSpPr>
+        <p:cNvPr id="1" name=""/>
+        <p:cNvGrpSpPr/>
+        <p:nvPr/>
+      </p:nvGrpSpPr>
+      <p:grpSpPr>
+        <a:xfrm>
+          <a:off x="0" y="0"/>
+          <a:ext cx="0" cy="0"/>
+          <a:chOff x="0" y="0"/>
+          <a:chExt cx="0" cy="0"/>
+        </a:xfrm>
+      </p:grpSpPr>
+      <p:sp>
+        <p:nvSpPr>
+          <p:cNvPr id="2" name="Tytuł 1"/>
+          <p:cNvSpPr>
+            <a:spLocks noGrp="1"/>
+          </p:cNvSpPr>
+          <p:nvPr>
+            <p:ph type="title"/>
+          </p:nvPr>
+        </p:nvSpPr>
+        <p:spPr/>
+        <p:txBody>
+          <a:bodyPr/>
+          <a:lstStyle/>
+          <a:p>
+            <a:r>
+              <a:rPr lang="pl-PL" dirty="0" smtClean="0"/>
+              <a:t>Diagramy TOD</a:t>
+            </a:r>
+            <a:endParaRPr lang="pl-PL" dirty="0"/>
+          </a:p>
+        </p:txBody>
+      </p:sp>
+      <p:sp>
+        <p:nvSpPr>
+          <p:cNvPr id="3" name="Symbol zastępczy zawartości 2"/>
+          <p:cNvSpPr>
+            <a:spLocks noGrp="1"/>
+          </p:cNvSpPr>
+          <p:nvPr>
+            <p:ph idx="1"/>
+          </p:nvPr>
+        </p:nvSpPr>
+        <p:spPr/>
+        <p:txBody>
+          <a:bodyPr/>
+          <a:lstStyle/>
+          <a:p>
+            <a:endParaRPr lang="pl-PL"/>
+          </a:p>
+        </p:txBody>
+      </p:sp>
+    </p:spTree>
+    <p:extLst>
+      <p:ext uri="{BB962C8B-B14F-4D97-AF65-F5344CB8AC3E}">
+        <p14:creationId xmlns:p14="http://schemas.microsoft.com/office/powerpoint/2010/main" val="2487934931"/>
+      </p:ext>
+    </p:extLst>
+  </p:cSld>
+  <p:clrMapOvr>
+    <a:masterClrMapping/>
+  </p:clrMapOvr>
+  <p:timing>
+    <p:tnLst>
+      <p:par>
+        <p:cTn id="1" dur="indefinite" restart="never" nodeType="tmRoot"/>
+      </p:par>
+    </p:tnLst>
+  </p:timing>
+</p:sld>
+</file>
+
 <file path=ppt/slides/slide6.xml><?xml version="1.0" encoding="utf-8"?>
 <p:sld xmlns:a="http://schemas.openxmlformats.org/drawingml/2006/main" xmlns:r="http://schemas.openxmlformats.org/officeDocument/2006/relationships" xmlns:p="http://schemas.openxmlformats.org/presentationml/2006/main">
   <p:cSld>
@@ -5222,35 +5853,256 @@
           <a:p>
             <a:r>
               <a:rPr lang="pl-PL" dirty="0" smtClean="0"/>
-              <a:t>Diagramy TOD</a:t>
+              <a:t>Kod</a:t>
             </a:r>
             <a:endParaRPr lang="pl-PL" dirty="0"/>
           </a:p>
         </p:txBody>
       </p:sp>
-      <p:sp>
-        <p:nvSpPr>
-          <p:cNvPr id="3" name="Symbol zastępczy zawartości 2"/>
-          <p:cNvSpPr>
-            <a:spLocks noGrp="1"/>
-          </p:cNvSpPr>
+      <p:pic>
+        <p:nvPicPr>
+          <p:cNvPr id="1026" name="Picture 2"/>
+          <p:cNvPicPr>
+            <a:picLocks noGrp="1" noChangeAspect="1" noChangeArrowheads="1"/>
+          </p:cNvPicPr>
           <p:nvPr>
             <p:ph idx="1"/>
           </p:nvPr>
-        </p:nvSpPr>
-        <p:spPr/>
-        <p:txBody>
-          <a:bodyPr/>
-          <a:lstStyle/>
-          <a:p>
+        </p:nvPicPr>
+        <p:blipFill>
+          <a:blip r:embed="rId2">
+            <a:extLst>
+              <a:ext uri="{28A0092B-C50C-407E-A947-70E740481C1C}">
+                <a14:useLocalDpi xmlns:a14="http://schemas.microsoft.com/office/drawing/2010/main" val="0"/>
+              </a:ext>
+            </a:extLst>
+          </a:blip>
+          <a:srcRect/>
+          <a:stretch>
+            <a:fillRect/>
+          </a:stretch>
+        </p:blipFill>
+        <p:spPr bwMode="auto">
+          <a:xfrm>
+            <a:off x="1691680" y="2060848"/>
+            <a:ext cx="2331609" cy="4635570"/>
+          </a:xfrm>
+          <a:prstGeom prst="rect">
+            <a:avLst/>
+          </a:prstGeom>
+          <a:noFill/>
+          <a:ln>
+            <a:noFill/>
+          </a:ln>
+          <a:effectLst/>
+          <a:extLst>
+            <a:ext uri="{909E8E84-426E-40DD-AFC4-6F175D3DCCD1}">
+              <a14:hiddenFill xmlns:a14="http://schemas.microsoft.com/office/drawing/2010/main">
+                <a:solidFill>
+                  <a:schemeClr val="accent1"/>
+                </a:solidFill>
+              </a14:hiddenFill>
+            </a:ext>
+            <a:ext uri="{91240B29-F687-4F45-9708-019B960494DF}">
+              <a14:hiddenLine xmlns:a14="http://schemas.microsoft.com/office/drawing/2010/main" w="9525">
+                <a:solidFill>
+                  <a:schemeClr val="tx1"/>
+                </a:solidFill>
+                <a:miter lim="800000"/>
+                <a:headEnd/>
+                <a:tailEnd/>
+              </a14:hiddenLine>
+            </a:ext>
+            <a:ext uri="{AF507438-7753-43E0-B8FC-AC1667EBCBE1}">
+              <a14:hiddenEffects xmlns:a14="http://schemas.microsoft.com/office/drawing/2010/main">
+                <a:effectLst>
+                  <a:outerShdw dist="35921" dir="2700000" algn="ctr" rotWithShape="0">
+                    <a:schemeClr val="bg2"/>
+                  </a:outerShdw>
+                </a:effectLst>
+              </a14:hiddenEffects>
+            </a:ext>
+          </a:extLst>
+        </p:spPr>
+      </p:pic>
+      <p:pic>
+        <p:nvPicPr>
+          <p:cNvPr id="1027" name="Picture 3"/>
+          <p:cNvPicPr>
+            <a:picLocks noChangeAspect="1" noChangeArrowheads="1"/>
+          </p:cNvPicPr>
+          <p:nvPr/>
+        </p:nvPicPr>
+        <p:blipFill>
+          <a:blip r:embed="rId3">
+            <a:extLst>
+              <a:ext uri="{28A0092B-C50C-407E-A947-70E740481C1C}">
+                <a14:useLocalDpi xmlns:a14="http://schemas.microsoft.com/office/drawing/2010/main" val="0"/>
+              </a:ext>
+            </a:extLst>
+          </a:blip>
+          <a:srcRect/>
+          <a:stretch>
+            <a:fillRect/>
+          </a:stretch>
+        </p:blipFill>
+        <p:spPr bwMode="auto">
+          <a:xfrm>
+            <a:off x="4610072" y="2060848"/>
+            <a:ext cx="1685925" cy="1905000"/>
+          </a:xfrm>
+          <a:prstGeom prst="rect">
+            <a:avLst/>
+          </a:prstGeom>
+          <a:noFill/>
+          <a:ln>
+            <a:noFill/>
+          </a:ln>
+          <a:effectLst/>
+          <a:extLst>
+            <a:ext uri="{909E8E84-426E-40DD-AFC4-6F175D3DCCD1}">
+              <a14:hiddenFill xmlns:a14="http://schemas.microsoft.com/office/drawing/2010/main">
+                <a:solidFill>
+                  <a:schemeClr val="accent1"/>
+                </a:solidFill>
+              </a14:hiddenFill>
+            </a:ext>
+            <a:ext uri="{91240B29-F687-4F45-9708-019B960494DF}">
+              <a14:hiddenLine xmlns:a14="http://schemas.microsoft.com/office/drawing/2010/main" w="9525">
+                <a:solidFill>
+                  <a:schemeClr val="tx1"/>
+                </a:solidFill>
+                <a:miter lim="800000"/>
+                <a:headEnd/>
+                <a:tailEnd/>
+              </a14:hiddenLine>
+            </a:ext>
+            <a:ext uri="{AF507438-7753-43E0-B8FC-AC1667EBCBE1}">
+              <a14:hiddenEffects xmlns:a14="http://schemas.microsoft.com/office/drawing/2010/main">
+                <a:effectLst>
+                  <a:outerShdw dist="35921" dir="2700000" algn="ctr" rotWithShape="0">
+                    <a:schemeClr val="bg2"/>
+                  </a:outerShdw>
+                </a:effectLst>
+              </a14:hiddenEffects>
+            </a:ext>
+          </a:extLst>
+        </p:spPr>
+      </p:pic>
+      <p:sp>
+        <p:nvSpPr>
+          <p:cNvPr id="4" name="Prostokąt 3"/>
+          <p:cNvSpPr/>
+          <p:nvPr/>
+        </p:nvSpPr>
+        <p:spPr>
+          <a:xfrm>
+            <a:off x="4499992" y="2851330"/>
+            <a:ext cx="1944216" cy="324036"/>
+          </a:xfrm>
+          <a:prstGeom prst="rect">
+            <a:avLst/>
+          </a:prstGeom>
+          <a:noFill/>
+          <a:ln w="28575">
+            <a:solidFill>
+              <a:srgbClr val="FF0000"/>
+            </a:solidFill>
+          </a:ln>
+        </p:spPr>
+        <p:style>
+          <a:lnRef idx="2">
+            <a:schemeClr val="accent1">
+              <a:shade val="50000"/>
+            </a:schemeClr>
+          </a:lnRef>
+          <a:fillRef idx="1">
+            <a:schemeClr val="accent1"/>
+          </a:fillRef>
+          <a:effectRef idx="0">
+            <a:schemeClr val="accent1"/>
+          </a:effectRef>
+          <a:fontRef idx="minor">
+            <a:schemeClr val="lt1"/>
+          </a:fontRef>
+        </p:style>
+        <p:txBody>
+          <a:bodyPr rtlCol="0" anchor="ctr"/>
+          <a:lstStyle/>
+          <a:p>
+            <a:pPr algn="ctr"/>
             <a:endParaRPr lang="pl-PL"/>
           </a:p>
         </p:txBody>
       </p:sp>
+      <p:pic>
+        <p:nvPicPr>
+          <p:cNvPr id="1028" name="Picture 4"/>
+          <p:cNvPicPr>
+            <a:picLocks noChangeAspect="1" noChangeArrowheads="1"/>
+          </p:cNvPicPr>
+          <p:nvPr/>
+        </p:nvPicPr>
+        <p:blipFill>
+          <a:blip r:embed="rId4">
+            <a:extLst>
+              <a:ext uri="{28A0092B-C50C-407E-A947-70E740481C1C}">
+                <a14:useLocalDpi xmlns:a14="http://schemas.microsoft.com/office/drawing/2010/main" val="0"/>
+              </a:ext>
+            </a:extLst>
+          </a:blip>
+          <a:srcRect/>
+          <a:stretch>
+            <a:fillRect/>
+          </a:stretch>
+        </p:blipFill>
+        <p:spPr bwMode="auto">
+          <a:xfrm>
+            <a:off x="395536" y="3284984"/>
+            <a:ext cx="8064896" cy="2414996"/>
+          </a:xfrm>
+          <a:prstGeom prst="rect">
+            <a:avLst/>
+          </a:prstGeom>
+          <a:noFill/>
+          <a:ln>
+            <a:noFill/>
+          </a:ln>
+          <a:effectLst/>
+          <a:extLst>
+            <a:ext uri="{909E8E84-426E-40DD-AFC4-6F175D3DCCD1}">
+              <a14:hiddenFill xmlns:a14="http://schemas.microsoft.com/office/drawing/2010/main">
+                <a:solidFill>
+                  <a:schemeClr val="accent1"/>
+                </a:solidFill>
+              </a14:hiddenFill>
+            </a:ext>
+            <a:ext uri="{91240B29-F687-4F45-9708-019B960494DF}">
+              <a14:hiddenLine xmlns:a14="http://schemas.microsoft.com/office/drawing/2010/main" w="9525">
+                <a:solidFill>
+                  <a:schemeClr val="tx1"/>
+                </a:solidFill>
+                <a:miter lim="800000"/>
+                <a:headEnd/>
+                <a:tailEnd/>
+              </a14:hiddenLine>
+            </a:ext>
+            <a:ext uri="{AF507438-7753-43E0-B8FC-AC1667EBCBE1}">
+              <a14:hiddenEffects xmlns:a14="http://schemas.microsoft.com/office/drawing/2010/main">
+                <a:effectLst>
+                  <a:outerShdw dist="35921" dir="2700000" algn="ctr" rotWithShape="0">
+                    <a:schemeClr val="bg2"/>
+                  </a:outerShdw>
+                </a:effectLst>
+              </a14:hiddenEffects>
+            </a:ext>
+          </a:extLst>
+        </p:spPr>
+      </p:pic>
     </p:spTree>
     <p:extLst>
       <p:ext uri="{BB962C8B-B14F-4D97-AF65-F5344CB8AC3E}">
-        <p14:creationId xmlns:p14="http://schemas.microsoft.com/office/powerpoint/2010/main" val="2487934931"/>
+        <p14:creationId xmlns:p14="http://schemas.microsoft.com/office/powerpoint/2010/main" val="444677883"/>
       </p:ext>
     </p:extLst>
   </p:cSld>
@@ -5260,7 +6112,75 @@
   <p:timing>
     <p:tnLst>
       <p:par>
-        <p:cTn id="1" dur="indefinite" restart="never" nodeType="tmRoot"/>
+        <p:cTn id="1" dur="indefinite" restart="never" nodeType="tmRoot">
+          <p:childTnLst>
+            <p:seq concurrent="1" nextAc="seek">
+              <p:cTn id="2" dur="indefinite" nodeType="mainSeq">
+                <p:childTnLst>
+                  <p:par>
+                    <p:cTn id="3" fill="hold">
+                      <p:stCondLst>
+                        <p:cond delay="indefinite"/>
+                      </p:stCondLst>
+                      <p:childTnLst>
+                        <p:par>
+                          <p:cTn id="4" fill="hold">
+                            <p:stCondLst>
+                              <p:cond delay="0"/>
+                            </p:stCondLst>
+                            <p:childTnLst>
+                              <p:par>
+                                <p:cTn id="5" presetID="1" presetClass="entr" presetSubtype="0" fill="hold" nodeType="clickEffect">
+                                  <p:stCondLst>
+                                    <p:cond delay="0"/>
+                                  </p:stCondLst>
+                                  <p:childTnLst>
+                                    <p:set>
+                                      <p:cBhvr>
+                                        <p:cTn id="6" dur="1" fill="hold">
+                                          <p:stCondLst>
+                                            <p:cond delay="0"/>
+                                          </p:stCondLst>
+                                        </p:cTn>
+                                        <p:tgtEl>
+                                          <p:spTgt spid="1028"/>
+                                        </p:tgtEl>
+                                        <p:attrNameLst>
+                                          <p:attrName>style.visibility</p:attrName>
+                                        </p:attrNameLst>
+                                      </p:cBhvr>
+                                      <p:to>
+                                        <p:strVal val="visible"/>
+                                      </p:to>
+                                    </p:set>
+                                  </p:childTnLst>
+                                </p:cTn>
+                              </p:par>
+                            </p:childTnLst>
+                          </p:cTn>
+                        </p:par>
+                      </p:childTnLst>
+                    </p:cTn>
+                  </p:par>
+                </p:childTnLst>
+              </p:cTn>
+              <p:prevCondLst>
+                <p:cond evt="onPrev" delay="0">
+                  <p:tgtEl>
+                    <p:sldTgt/>
+                  </p:tgtEl>
+                </p:cond>
+              </p:prevCondLst>
+              <p:nextCondLst>
+                <p:cond evt="onNext" delay="0">
+                  <p:tgtEl>
+                    <p:sldTgt/>
+                  </p:tgtEl>
+                </p:cond>
+              </p:nextCondLst>
+            </p:seq>
+          </p:childTnLst>
+        </p:cTn>
       </p:par>
     </p:tnLst>
   </p:timing>
@@ -5300,8 +6220,12 @@
           <a:lstStyle/>
           <a:p>
             <a:r>
+              <a:rPr lang="pl-PL" dirty="0" err="1" smtClean="0"/>
+              <a:t>Backend</a:t>
+            </a:r>
+            <a:r>
               <a:rPr lang="pl-PL" dirty="0" smtClean="0"/>
-              <a:t>Kod</a:t>
+              <a:t> i ujednolicone metody</a:t>
             </a:r>
             <a:endParaRPr lang="pl-PL" dirty="0"/>
           </a:p>
@@ -5322,14 +6246,643 @@
           <a:bodyPr/>
           <a:lstStyle/>
           <a:p>
-            <a:endParaRPr lang="pl-PL"/>
-          </a:p>
-        </p:txBody>
-      </p:sp>
+            <a:pPr marL="109728" indent="0">
+              <a:buNone/>
+            </a:pPr>
+            <a:endParaRPr lang="pl-PL" dirty="0"/>
+          </a:p>
+        </p:txBody>
+      </p:sp>
+      <p:pic>
+        <p:nvPicPr>
+          <p:cNvPr id="2050" name="Picture 2"/>
+          <p:cNvPicPr>
+            <a:picLocks noChangeAspect="1" noChangeArrowheads="1"/>
+          </p:cNvPicPr>
+          <p:nvPr/>
+        </p:nvPicPr>
+        <p:blipFill>
+          <a:blip r:embed="rId2">
+            <a:extLst>
+              <a:ext uri="{28A0092B-C50C-407E-A947-70E740481C1C}">
+                <a14:useLocalDpi xmlns:a14="http://schemas.microsoft.com/office/drawing/2010/main" val="0"/>
+              </a:ext>
+            </a:extLst>
+          </a:blip>
+          <a:srcRect/>
+          <a:stretch>
+            <a:fillRect/>
+          </a:stretch>
+        </p:blipFill>
+        <p:spPr bwMode="auto">
+          <a:xfrm>
+            <a:off x="1115616" y="2204864"/>
+            <a:ext cx="4962525" cy="2705100"/>
+          </a:xfrm>
+          <a:prstGeom prst="rect">
+            <a:avLst/>
+          </a:prstGeom>
+          <a:noFill/>
+          <a:ln>
+            <a:noFill/>
+          </a:ln>
+          <a:effectLst/>
+          <a:extLst>
+            <a:ext uri="{909E8E84-426E-40DD-AFC4-6F175D3DCCD1}">
+              <a14:hiddenFill xmlns:a14="http://schemas.microsoft.com/office/drawing/2010/main">
+                <a:solidFill>
+                  <a:schemeClr val="accent1"/>
+                </a:solidFill>
+              </a14:hiddenFill>
+            </a:ext>
+            <a:ext uri="{91240B29-F687-4F45-9708-019B960494DF}">
+              <a14:hiddenLine xmlns:a14="http://schemas.microsoft.com/office/drawing/2010/main" w="9525">
+                <a:solidFill>
+                  <a:schemeClr val="tx1"/>
+                </a:solidFill>
+                <a:miter lim="800000"/>
+                <a:headEnd/>
+                <a:tailEnd/>
+              </a14:hiddenLine>
+            </a:ext>
+            <a:ext uri="{AF507438-7753-43E0-B8FC-AC1667EBCBE1}">
+              <a14:hiddenEffects xmlns:a14="http://schemas.microsoft.com/office/drawing/2010/main">
+                <a:effectLst>
+                  <a:outerShdw dist="35921" dir="2700000" algn="ctr" rotWithShape="0">
+                    <a:schemeClr val="bg2"/>
+                  </a:outerShdw>
+                </a:effectLst>
+              </a14:hiddenEffects>
+            </a:ext>
+          </a:extLst>
+        </p:spPr>
+      </p:pic>
+      <p:pic>
+        <p:nvPicPr>
+          <p:cNvPr id="2051" name="Picture 3"/>
+          <p:cNvPicPr>
+            <a:picLocks noChangeAspect="1" noChangeArrowheads="1"/>
+          </p:cNvPicPr>
+          <p:nvPr/>
+        </p:nvPicPr>
+        <p:blipFill>
+          <a:blip r:embed="rId3">
+            <a:extLst>
+              <a:ext uri="{28A0092B-C50C-407E-A947-70E740481C1C}">
+                <a14:useLocalDpi xmlns:a14="http://schemas.microsoft.com/office/drawing/2010/main" val="0"/>
+              </a:ext>
+            </a:extLst>
+          </a:blip>
+          <a:srcRect/>
+          <a:stretch>
+            <a:fillRect/>
+          </a:stretch>
+        </p:blipFill>
+        <p:spPr bwMode="auto">
+          <a:xfrm>
+            <a:off x="1907704" y="5496962"/>
+            <a:ext cx="3733800" cy="323850"/>
+          </a:xfrm>
+          <a:prstGeom prst="rect">
+            <a:avLst/>
+          </a:prstGeom>
+          <a:noFill/>
+          <a:ln>
+            <a:noFill/>
+          </a:ln>
+          <a:effectLst/>
+          <a:extLst>
+            <a:ext uri="{909E8E84-426E-40DD-AFC4-6F175D3DCCD1}">
+              <a14:hiddenFill xmlns:a14="http://schemas.microsoft.com/office/drawing/2010/main">
+                <a:solidFill>
+                  <a:schemeClr val="accent1"/>
+                </a:solidFill>
+              </a14:hiddenFill>
+            </a:ext>
+            <a:ext uri="{91240B29-F687-4F45-9708-019B960494DF}">
+              <a14:hiddenLine xmlns:a14="http://schemas.microsoft.com/office/drawing/2010/main" w="9525">
+                <a:solidFill>
+                  <a:schemeClr val="tx1"/>
+                </a:solidFill>
+                <a:miter lim="800000"/>
+                <a:headEnd/>
+                <a:tailEnd/>
+              </a14:hiddenLine>
+            </a:ext>
+            <a:ext uri="{AF507438-7753-43E0-B8FC-AC1667EBCBE1}">
+              <a14:hiddenEffects xmlns:a14="http://schemas.microsoft.com/office/drawing/2010/main">
+                <a:effectLst>
+                  <a:outerShdw dist="35921" dir="2700000" algn="ctr" rotWithShape="0">
+                    <a:schemeClr val="bg2"/>
+                  </a:outerShdw>
+                </a:effectLst>
+              </a14:hiddenEffects>
+            </a:ext>
+          </a:extLst>
+        </p:spPr>
+      </p:pic>
     </p:spTree>
     <p:extLst>
       <p:ext uri="{BB962C8B-B14F-4D97-AF65-F5344CB8AC3E}">
-        <p14:creationId xmlns:p14="http://schemas.microsoft.com/office/powerpoint/2010/main" val="444677883"/>
+        <p14:creationId xmlns:p14="http://schemas.microsoft.com/office/powerpoint/2010/main" val="3335529730"/>
+      </p:ext>
+    </p:extLst>
+  </p:cSld>
+  <p:clrMapOvr>
+    <a:masterClrMapping/>
+  </p:clrMapOvr>
+  <p:timing>
+    <p:tnLst>
+      <p:par>
+        <p:cTn id="1" dur="indefinite" restart="never" nodeType="tmRoot">
+          <p:childTnLst>
+            <p:seq concurrent="1" nextAc="seek">
+              <p:cTn id="2" dur="indefinite" nodeType="mainSeq">
+                <p:childTnLst>
+                  <p:par>
+                    <p:cTn id="3" fill="hold">
+                      <p:stCondLst>
+                        <p:cond delay="indefinite"/>
+                      </p:stCondLst>
+                      <p:childTnLst>
+                        <p:par>
+                          <p:cTn id="4" fill="hold">
+                            <p:stCondLst>
+                              <p:cond delay="0"/>
+                            </p:stCondLst>
+                            <p:childTnLst>
+                              <p:par>
+                                <p:cTn id="5" presetID="1" presetClass="entr" presetSubtype="0" fill="hold" nodeType="clickEffect">
+                                  <p:stCondLst>
+                                    <p:cond delay="0"/>
+                                  </p:stCondLst>
+                                  <p:childTnLst>
+                                    <p:set>
+                                      <p:cBhvr>
+                                        <p:cTn id="6" dur="1" fill="hold">
+                                          <p:stCondLst>
+                                            <p:cond delay="0"/>
+                                          </p:stCondLst>
+                                        </p:cTn>
+                                        <p:tgtEl>
+                                          <p:spTgt spid="2051"/>
+                                        </p:tgtEl>
+                                        <p:attrNameLst>
+                                          <p:attrName>style.visibility</p:attrName>
+                                        </p:attrNameLst>
+                                      </p:cBhvr>
+                                      <p:to>
+                                        <p:strVal val="visible"/>
+                                      </p:to>
+                                    </p:set>
+                                  </p:childTnLst>
+                                </p:cTn>
+                              </p:par>
+                            </p:childTnLst>
+                          </p:cTn>
+                        </p:par>
+                      </p:childTnLst>
+                    </p:cTn>
+                  </p:par>
+                </p:childTnLst>
+              </p:cTn>
+              <p:prevCondLst>
+                <p:cond evt="onPrev" delay="0">
+                  <p:tgtEl>
+                    <p:sldTgt/>
+                  </p:tgtEl>
+                </p:cond>
+              </p:prevCondLst>
+              <p:nextCondLst>
+                <p:cond evt="onNext" delay="0">
+                  <p:tgtEl>
+                    <p:sldTgt/>
+                  </p:tgtEl>
+                </p:cond>
+              </p:nextCondLst>
+            </p:seq>
+          </p:childTnLst>
+        </p:cTn>
+      </p:par>
+    </p:tnLst>
+  </p:timing>
+</p:sld>
+</file>
+
+<file path=ppt/slides/slide8.xml><?xml version="1.0" encoding="utf-8"?>
+<p:sld xmlns:a="http://schemas.openxmlformats.org/drawingml/2006/main" xmlns:r="http://schemas.openxmlformats.org/officeDocument/2006/relationships" xmlns:p="http://schemas.openxmlformats.org/presentationml/2006/main">
+  <p:cSld>
+    <p:spTree>
+      <p:nvGrpSpPr>
+        <p:cNvPr id="1" name=""/>
+        <p:cNvGrpSpPr/>
+        <p:nvPr/>
+      </p:nvGrpSpPr>
+      <p:grpSpPr>
+        <a:xfrm>
+          <a:off x="0" y="0"/>
+          <a:ext cx="0" cy="0"/>
+          <a:chOff x="0" y="0"/>
+          <a:chExt cx="0" cy="0"/>
+        </a:xfrm>
+      </p:grpSpPr>
+      <p:sp>
+        <p:nvSpPr>
+          <p:cNvPr id="2" name="Tytuł 1"/>
+          <p:cNvSpPr>
+            <a:spLocks noGrp="1"/>
+          </p:cNvSpPr>
+          <p:nvPr>
+            <p:ph type="title"/>
+          </p:nvPr>
+        </p:nvSpPr>
+        <p:spPr/>
+        <p:txBody>
+          <a:bodyPr/>
+          <a:lstStyle/>
+          <a:p>
+            <a:r>
+              <a:rPr lang="pl-PL" dirty="0" smtClean="0"/>
+              <a:t>Jeden formularz, kilka zastosowań</a:t>
+            </a:r>
+            <a:endParaRPr lang="pl-PL" dirty="0"/>
+          </a:p>
+        </p:txBody>
+      </p:sp>
+      <p:pic>
+        <p:nvPicPr>
+          <p:cNvPr id="4098" name="Picture 2"/>
+          <p:cNvPicPr>
+            <a:picLocks noChangeAspect="1" noChangeArrowheads="1"/>
+          </p:cNvPicPr>
+          <p:nvPr/>
+        </p:nvPicPr>
+        <p:blipFill>
+          <a:blip r:embed="rId2">
+            <a:extLst>
+              <a:ext uri="{28A0092B-C50C-407E-A947-70E740481C1C}">
+                <a14:useLocalDpi xmlns:a14="http://schemas.microsoft.com/office/drawing/2010/main" val="0"/>
+              </a:ext>
+            </a:extLst>
+          </a:blip>
+          <a:srcRect/>
+          <a:stretch>
+            <a:fillRect/>
+          </a:stretch>
+        </p:blipFill>
+        <p:spPr bwMode="auto">
+          <a:xfrm>
+            <a:off x="3635895" y="2389792"/>
+            <a:ext cx="1704975" cy="523875"/>
+          </a:xfrm>
+          <a:prstGeom prst="rect">
+            <a:avLst/>
+          </a:prstGeom>
+          <a:noFill/>
+          <a:ln>
+            <a:noFill/>
+          </a:ln>
+          <a:effectLst/>
+          <a:extLst>
+            <a:ext uri="{909E8E84-426E-40DD-AFC4-6F175D3DCCD1}">
+              <a14:hiddenFill xmlns:a14="http://schemas.microsoft.com/office/drawing/2010/main">
+                <a:solidFill>
+                  <a:schemeClr val="accent1"/>
+                </a:solidFill>
+              </a14:hiddenFill>
+            </a:ext>
+            <a:ext uri="{91240B29-F687-4F45-9708-019B960494DF}">
+              <a14:hiddenLine xmlns:a14="http://schemas.microsoft.com/office/drawing/2010/main" w="9525">
+                <a:solidFill>
+                  <a:schemeClr val="tx1"/>
+                </a:solidFill>
+                <a:miter lim="800000"/>
+                <a:headEnd/>
+                <a:tailEnd/>
+              </a14:hiddenLine>
+            </a:ext>
+            <a:ext uri="{AF507438-7753-43E0-B8FC-AC1667EBCBE1}">
+              <a14:hiddenEffects xmlns:a14="http://schemas.microsoft.com/office/drawing/2010/main">
+                <a:effectLst>
+                  <a:outerShdw dist="35921" dir="2700000" algn="ctr" rotWithShape="0">
+                    <a:schemeClr val="bg2"/>
+                  </a:outerShdw>
+                </a:effectLst>
+              </a14:hiddenEffects>
+            </a:ext>
+          </a:extLst>
+        </p:spPr>
+      </p:pic>
+      <p:pic>
+        <p:nvPicPr>
+          <p:cNvPr id="4100" name="Picture 4"/>
+          <p:cNvPicPr>
+            <a:picLocks noChangeAspect="1" noChangeArrowheads="1"/>
+          </p:cNvPicPr>
+          <p:nvPr/>
+        </p:nvPicPr>
+        <p:blipFill>
+          <a:blip r:embed="rId3">
+            <a:extLst>
+              <a:ext uri="{28A0092B-C50C-407E-A947-70E740481C1C}">
+                <a14:useLocalDpi xmlns:a14="http://schemas.microsoft.com/office/drawing/2010/main" val="0"/>
+              </a:ext>
+            </a:extLst>
+          </a:blip>
+          <a:srcRect/>
+          <a:stretch>
+            <a:fillRect/>
+          </a:stretch>
+        </p:blipFill>
+        <p:spPr bwMode="auto">
+          <a:xfrm>
+            <a:off x="395536" y="3429000"/>
+            <a:ext cx="4464496" cy="1728456"/>
+          </a:xfrm>
+          <a:prstGeom prst="rect">
+            <a:avLst/>
+          </a:prstGeom>
+          <a:noFill/>
+          <a:ln>
+            <a:noFill/>
+          </a:ln>
+          <a:effectLst/>
+          <a:extLst>
+            <a:ext uri="{909E8E84-426E-40DD-AFC4-6F175D3DCCD1}">
+              <a14:hiddenFill xmlns:a14="http://schemas.microsoft.com/office/drawing/2010/main">
+                <a:solidFill>
+                  <a:schemeClr val="accent1"/>
+                </a:solidFill>
+              </a14:hiddenFill>
+            </a:ext>
+            <a:ext uri="{91240B29-F687-4F45-9708-019B960494DF}">
+              <a14:hiddenLine xmlns:a14="http://schemas.microsoft.com/office/drawing/2010/main" w="9525">
+                <a:solidFill>
+                  <a:schemeClr val="tx1"/>
+                </a:solidFill>
+                <a:miter lim="800000"/>
+                <a:headEnd/>
+                <a:tailEnd/>
+              </a14:hiddenLine>
+            </a:ext>
+            <a:ext uri="{AF507438-7753-43E0-B8FC-AC1667EBCBE1}">
+              <a14:hiddenEffects xmlns:a14="http://schemas.microsoft.com/office/drawing/2010/main">
+                <a:effectLst>
+                  <a:outerShdw dist="35921" dir="2700000" algn="ctr" rotWithShape="0">
+                    <a:schemeClr val="bg2"/>
+                  </a:outerShdw>
+                </a:effectLst>
+              </a14:hiddenEffects>
+            </a:ext>
+          </a:extLst>
+        </p:spPr>
+      </p:pic>
+      <p:pic>
+        <p:nvPicPr>
+          <p:cNvPr id="4099" name="Picture 3"/>
+          <p:cNvPicPr>
+            <a:picLocks noGrp="1" noChangeAspect="1" noChangeArrowheads="1"/>
+          </p:cNvPicPr>
+          <p:nvPr>
+            <p:ph idx="1"/>
+          </p:nvPr>
+        </p:nvPicPr>
+        <p:blipFill>
+          <a:blip r:embed="rId4">
+            <a:extLst>
+              <a:ext uri="{28A0092B-C50C-407E-A947-70E740481C1C}">
+                <a14:useLocalDpi xmlns:a14="http://schemas.microsoft.com/office/drawing/2010/main" val="0"/>
+              </a:ext>
+            </a:extLst>
+          </a:blip>
+          <a:srcRect/>
+          <a:stretch>
+            <a:fillRect/>
+          </a:stretch>
+        </p:blipFill>
+        <p:spPr bwMode="auto">
+          <a:xfrm>
+            <a:off x="4355976" y="3429000"/>
+            <a:ext cx="4534533" cy="971686"/>
+          </a:xfrm>
+          <a:prstGeom prst="rect">
+            <a:avLst/>
+          </a:prstGeom>
+          <a:noFill/>
+          <a:ln>
+            <a:noFill/>
+          </a:ln>
+          <a:effectLst/>
+          <a:extLst>
+            <a:ext uri="{909E8E84-426E-40DD-AFC4-6F175D3DCCD1}">
+              <a14:hiddenFill xmlns:a14="http://schemas.microsoft.com/office/drawing/2010/main">
+                <a:solidFill>
+                  <a:schemeClr val="accent1"/>
+                </a:solidFill>
+              </a14:hiddenFill>
+            </a:ext>
+            <a:ext uri="{91240B29-F687-4F45-9708-019B960494DF}">
+              <a14:hiddenLine xmlns:a14="http://schemas.microsoft.com/office/drawing/2010/main" w="9525">
+                <a:solidFill>
+                  <a:schemeClr val="tx1"/>
+                </a:solidFill>
+                <a:miter lim="800000"/>
+                <a:headEnd/>
+                <a:tailEnd/>
+              </a14:hiddenLine>
+            </a:ext>
+            <a:ext uri="{AF507438-7753-43E0-B8FC-AC1667EBCBE1}">
+              <a14:hiddenEffects xmlns:a14="http://schemas.microsoft.com/office/drawing/2010/main">
+                <a:effectLst>
+                  <a:outerShdw dist="35921" dir="2700000" algn="ctr" rotWithShape="0">
+                    <a:schemeClr val="bg2"/>
+                  </a:outerShdw>
+                </a:effectLst>
+              </a14:hiddenEffects>
+            </a:ext>
+          </a:extLst>
+        </p:spPr>
+      </p:pic>
+      <p:sp>
+        <p:nvSpPr>
+          <p:cNvPr id="7" name="Prostokąt 6"/>
+          <p:cNvSpPr/>
+          <p:nvPr/>
+        </p:nvSpPr>
+        <p:spPr>
+          <a:xfrm>
+            <a:off x="395536" y="3356992"/>
+            <a:ext cx="1584176" cy="432048"/>
+          </a:xfrm>
+          <a:prstGeom prst="rect">
+            <a:avLst/>
+          </a:prstGeom>
+          <a:noFill/>
+          <a:ln w="28575">
+            <a:solidFill>
+              <a:srgbClr val="FF0000"/>
+            </a:solidFill>
+          </a:ln>
+        </p:spPr>
+        <p:style>
+          <a:lnRef idx="2">
+            <a:schemeClr val="accent1">
+              <a:shade val="50000"/>
+            </a:schemeClr>
+          </a:lnRef>
+          <a:fillRef idx="1">
+            <a:schemeClr val="accent1"/>
+          </a:fillRef>
+          <a:effectRef idx="0">
+            <a:schemeClr val="accent1"/>
+          </a:effectRef>
+          <a:fontRef idx="minor">
+            <a:schemeClr val="lt1"/>
+          </a:fontRef>
+        </p:style>
+        <p:txBody>
+          <a:bodyPr rtlCol="0" anchor="ctr"/>
+          <a:lstStyle/>
+          <a:p>
+            <a:pPr algn="ctr"/>
+            <a:endParaRPr lang="pl-PL"/>
+          </a:p>
+        </p:txBody>
+      </p:sp>
+    </p:spTree>
+    <p:extLst>
+      <p:ext uri="{BB962C8B-B14F-4D97-AF65-F5344CB8AC3E}">
+        <p14:creationId xmlns:p14="http://schemas.microsoft.com/office/powerpoint/2010/main" val="130841432"/>
+      </p:ext>
+    </p:extLst>
+  </p:cSld>
+  <p:clrMapOvr>
+    <a:masterClrMapping/>
+  </p:clrMapOvr>
+  <p:timing>
+    <p:tnLst>
+      <p:par>
+        <p:cTn id="1" dur="indefinite" restart="never" nodeType="tmRoot"/>
+      </p:par>
+    </p:tnLst>
+  </p:timing>
+</p:sld>
+</file>
+
+<file path=ppt/slides/slide9.xml><?xml version="1.0" encoding="utf-8"?>
+<p:sld xmlns:a="http://schemas.openxmlformats.org/drawingml/2006/main" xmlns:r="http://schemas.openxmlformats.org/officeDocument/2006/relationships" xmlns:p="http://schemas.openxmlformats.org/presentationml/2006/main">
+  <p:cSld>
+    <p:spTree>
+      <p:nvGrpSpPr>
+        <p:cNvPr id="1" name=""/>
+        <p:cNvGrpSpPr/>
+        <p:nvPr/>
+      </p:nvGrpSpPr>
+      <p:grpSpPr>
+        <a:xfrm>
+          <a:off x="0" y="0"/>
+          <a:ext cx="0" cy="0"/>
+          <a:chOff x="0" y="0"/>
+          <a:chExt cx="0" cy="0"/>
+        </a:xfrm>
+      </p:grpSpPr>
+      <p:sp>
+        <p:nvSpPr>
+          <p:cNvPr id="2" name="Tytuł 1"/>
+          <p:cNvSpPr>
+            <a:spLocks noGrp="1"/>
+          </p:cNvSpPr>
+          <p:nvPr>
+            <p:ph type="title"/>
+          </p:nvPr>
+        </p:nvSpPr>
+        <p:spPr/>
+        <p:txBody>
+          <a:bodyPr/>
+          <a:lstStyle/>
+          <a:p>
+            <a:r>
+              <a:rPr lang="pl-PL" dirty="0" err="1" smtClean="0"/>
+              <a:t>handleChange</a:t>
+            </a:r>
+            <a:r>
+              <a:rPr lang="pl-PL" dirty="0" smtClean="0"/>
+              <a:t> do wszystkiego</a:t>
+            </a:r>
+            <a:endParaRPr lang="pl-PL" dirty="0"/>
+          </a:p>
+        </p:txBody>
+      </p:sp>
+      <p:pic>
+        <p:nvPicPr>
+          <p:cNvPr id="6146" name="Picture 2"/>
+          <p:cNvPicPr>
+            <a:picLocks noGrp="1" noChangeAspect="1" noChangeArrowheads="1"/>
+          </p:cNvPicPr>
+          <p:nvPr>
+            <p:ph idx="1"/>
+          </p:nvPr>
+        </p:nvPicPr>
+        <p:blipFill>
+          <a:blip r:embed="rId2">
+            <a:extLst>
+              <a:ext uri="{28A0092B-C50C-407E-A947-70E740481C1C}">
+                <a14:useLocalDpi xmlns:a14="http://schemas.microsoft.com/office/drawing/2010/main" val="0"/>
+              </a:ext>
+            </a:extLst>
+          </a:blip>
+          <a:srcRect/>
+          <a:stretch>
+            <a:fillRect/>
+          </a:stretch>
+        </p:blipFill>
+        <p:spPr bwMode="auto">
+          <a:xfrm>
+            <a:off x="1691680" y="2924944"/>
+            <a:ext cx="5375812" cy="1584176"/>
+          </a:xfrm>
+          <a:prstGeom prst="rect">
+            <a:avLst/>
+          </a:prstGeom>
+          <a:noFill/>
+          <a:ln>
+            <a:noFill/>
+          </a:ln>
+          <a:effectLst/>
+          <a:extLst>
+            <a:ext uri="{909E8E84-426E-40DD-AFC4-6F175D3DCCD1}">
+              <a14:hiddenFill xmlns:a14="http://schemas.microsoft.com/office/drawing/2010/main">
+                <a:solidFill>
+                  <a:schemeClr val="accent1"/>
+                </a:solidFill>
+              </a14:hiddenFill>
+            </a:ext>
+            <a:ext uri="{91240B29-F687-4F45-9708-019B960494DF}">
+              <a14:hiddenLine xmlns:a14="http://schemas.microsoft.com/office/drawing/2010/main" w="9525">
+                <a:solidFill>
+                  <a:schemeClr val="tx1"/>
+                </a:solidFill>
+                <a:miter lim="800000"/>
+                <a:headEnd/>
+                <a:tailEnd/>
+              </a14:hiddenLine>
+            </a:ext>
+            <a:ext uri="{AF507438-7753-43E0-B8FC-AC1667EBCBE1}">
+              <a14:hiddenEffects xmlns:a14="http://schemas.microsoft.com/office/drawing/2010/main">
+                <a:effectLst>
+                  <a:outerShdw dist="35921" dir="2700000" algn="ctr" rotWithShape="0">
+                    <a:schemeClr val="bg2"/>
+                  </a:outerShdw>
+                </a:effectLst>
+              </a14:hiddenEffects>
+            </a:ext>
+          </a:extLst>
+        </p:spPr>
+      </p:pic>
+    </p:spTree>
+    <p:extLst>
+      <p:ext uri="{BB962C8B-B14F-4D97-AF65-F5344CB8AC3E}">
+        <p14:creationId xmlns:p14="http://schemas.microsoft.com/office/powerpoint/2010/main" val="844509041"/>
       </p:ext>
     </p:extLst>
   </p:cSld>

--- a/IPAM-Prezentacja.pptx
+++ b/IPAM-Prezentacja.pptx
@@ -4,6 +4,9 @@
   <p:sldMasterIdLst>
     <p:sldMasterId id="2147483756" r:id="rId1"/>
   </p:sldMasterIdLst>
+  <p:notesMasterIdLst>
+    <p:notesMasterId r:id="rId13"/>
+  </p:notesMasterIdLst>
   <p:sldIdLst>
     <p:sldId id="256" r:id="rId2"/>
     <p:sldId id="257" r:id="rId3"/>
@@ -114,7 +117,456 @@
       </a:defRPr>
     </a:lvl9pPr>
   </p:defaultTextStyle>
+  <p:extLst>
+    <p:ext uri="{EFAFB233-063F-42B5-8137-9DF3F51BA10A}">
+      <p15:sldGuideLst xmlns:p15="http://schemas.microsoft.com/office/powerpoint/2012/main">
+        <p15:guide id="1" orient="horz" pos="2160">
+          <p15:clr>
+            <a:srgbClr val="A4A3A4"/>
+          </p15:clr>
+        </p15:guide>
+        <p15:guide id="2" pos="2880">
+          <p15:clr>
+            <a:srgbClr val="A4A3A4"/>
+          </p15:clr>
+        </p15:guide>
+      </p15:sldGuideLst>
+    </p:ext>
+  </p:extLst>
 </p:presentation>
+</file>
+
+<file path=ppt/notesMasters/notesMaster1.xml><?xml version="1.0" encoding="utf-8"?>
+<p:notesMaster xmlns:a="http://schemas.openxmlformats.org/drawingml/2006/main" xmlns:r="http://schemas.openxmlformats.org/officeDocument/2006/relationships" xmlns:p="http://schemas.openxmlformats.org/presentationml/2006/main">
+  <p:cSld>
+    <p:bg>
+      <p:bgRef idx="1001">
+        <a:schemeClr val="bg1"/>
+      </p:bgRef>
+    </p:bg>
+    <p:spTree>
+      <p:nvGrpSpPr>
+        <p:cNvPr id="1" name=""/>
+        <p:cNvGrpSpPr/>
+        <p:nvPr/>
+      </p:nvGrpSpPr>
+      <p:grpSpPr>
+        <a:xfrm>
+          <a:off x="0" y="0"/>
+          <a:ext cx="0" cy="0"/>
+          <a:chOff x="0" y="0"/>
+          <a:chExt cx="0" cy="0"/>
+        </a:xfrm>
+      </p:grpSpPr>
+      <p:sp>
+        <p:nvSpPr>
+          <p:cNvPr id="2" name="Symbol zastępczy nagłówka 1"/>
+          <p:cNvSpPr>
+            <a:spLocks noGrp="1"/>
+          </p:cNvSpPr>
+          <p:nvPr>
+            <p:ph type="hdr" sz="quarter"/>
+          </p:nvPr>
+        </p:nvSpPr>
+        <p:spPr>
+          <a:xfrm>
+            <a:off x="0" y="0"/>
+            <a:ext cx="2971800" cy="458788"/>
+          </a:xfrm>
+          <a:prstGeom prst="rect">
+            <a:avLst/>
+          </a:prstGeom>
+        </p:spPr>
+        <p:txBody>
+          <a:bodyPr vert="horz" lIns="91440" tIns="45720" rIns="91440" bIns="45720" rtlCol="0"/>
+          <a:lstStyle>
+            <a:lvl1pPr algn="l">
+              <a:defRPr sz="1200"/>
+            </a:lvl1pPr>
+          </a:lstStyle>
+          <a:p>
+            <a:endParaRPr lang="pl-PL"/>
+          </a:p>
+        </p:txBody>
+      </p:sp>
+      <p:sp>
+        <p:nvSpPr>
+          <p:cNvPr id="3" name="Symbol zastępczy daty 2"/>
+          <p:cNvSpPr>
+            <a:spLocks noGrp="1"/>
+          </p:cNvSpPr>
+          <p:nvPr>
+            <p:ph type="dt" idx="1"/>
+          </p:nvPr>
+        </p:nvSpPr>
+        <p:spPr>
+          <a:xfrm>
+            <a:off x="3884613" y="0"/>
+            <a:ext cx="2971800" cy="458788"/>
+          </a:xfrm>
+          <a:prstGeom prst="rect">
+            <a:avLst/>
+          </a:prstGeom>
+        </p:spPr>
+        <p:txBody>
+          <a:bodyPr vert="horz" lIns="91440" tIns="45720" rIns="91440" bIns="45720" rtlCol="0"/>
+          <a:lstStyle>
+            <a:lvl1pPr algn="r">
+              <a:defRPr sz="1200"/>
+            </a:lvl1pPr>
+          </a:lstStyle>
+          <a:p>
+            <a:fld id="{823B6619-EC66-4E27-BFDE-1102607A7930}" type="datetimeFigureOut">
+              <a:rPr lang="pl-PL" smtClean="0"/>
+              <a:t>29.01.2020</a:t>
+            </a:fld>
+            <a:endParaRPr lang="pl-PL"/>
+          </a:p>
+        </p:txBody>
+      </p:sp>
+      <p:sp>
+        <p:nvSpPr>
+          <p:cNvPr id="4" name="Symbol zastępczy obrazu slajdu 3"/>
+          <p:cNvSpPr>
+            <a:spLocks noGrp="1" noRot="1" noChangeAspect="1"/>
+          </p:cNvSpPr>
+          <p:nvPr>
+            <p:ph type="sldImg" idx="2"/>
+          </p:nvPr>
+        </p:nvSpPr>
+        <p:spPr>
+          <a:xfrm>
+            <a:off x="1371600" y="1143000"/>
+            <a:ext cx="4114800" cy="3086100"/>
+          </a:xfrm>
+          <a:prstGeom prst="rect">
+            <a:avLst/>
+          </a:prstGeom>
+          <a:noFill/>
+          <a:ln w="12700">
+            <a:solidFill>
+              <a:prstClr val="black"/>
+            </a:solidFill>
+          </a:ln>
+        </p:spPr>
+        <p:txBody>
+          <a:bodyPr vert="horz" lIns="91440" tIns="45720" rIns="91440" bIns="45720" rtlCol="0" anchor="ctr"/>
+          <a:lstStyle/>
+          <a:p>
+            <a:endParaRPr lang="pl-PL"/>
+          </a:p>
+        </p:txBody>
+      </p:sp>
+      <p:sp>
+        <p:nvSpPr>
+          <p:cNvPr id="5" name="Symbol zastępczy notatek 4"/>
+          <p:cNvSpPr>
+            <a:spLocks noGrp="1"/>
+          </p:cNvSpPr>
+          <p:nvPr>
+            <p:ph type="body" sz="quarter" idx="3"/>
+          </p:nvPr>
+        </p:nvSpPr>
+        <p:spPr>
+          <a:xfrm>
+            <a:off x="685800" y="4400550"/>
+            <a:ext cx="5486400" cy="3600450"/>
+          </a:xfrm>
+          <a:prstGeom prst="rect">
+            <a:avLst/>
+          </a:prstGeom>
+        </p:spPr>
+        <p:txBody>
+          <a:bodyPr vert="horz" lIns="91440" tIns="45720" rIns="91440" bIns="45720" rtlCol="0"/>
+          <a:lstStyle/>
+          <a:p>
+            <a:pPr lvl="0"/>
+            <a:r>
+              <a:rPr lang="pl-PL"/>
+              <a:t>Kliknij, aby edytować style wzorca tekstu</a:t>
+            </a:r>
+          </a:p>
+          <a:p>
+            <a:pPr lvl="1"/>
+            <a:r>
+              <a:rPr lang="pl-PL"/>
+              <a:t>Drugi poziom</a:t>
+            </a:r>
+          </a:p>
+          <a:p>
+            <a:pPr lvl="2"/>
+            <a:r>
+              <a:rPr lang="pl-PL"/>
+              <a:t>Trzeci poziom</a:t>
+            </a:r>
+          </a:p>
+          <a:p>
+            <a:pPr lvl="3"/>
+            <a:r>
+              <a:rPr lang="pl-PL"/>
+              <a:t>Czwarty poziom</a:t>
+            </a:r>
+          </a:p>
+          <a:p>
+            <a:pPr lvl="4"/>
+            <a:r>
+              <a:rPr lang="pl-PL"/>
+              <a:t>Piąty poziom</a:t>
+            </a:r>
+          </a:p>
+        </p:txBody>
+      </p:sp>
+      <p:sp>
+        <p:nvSpPr>
+          <p:cNvPr id="6" name="Symbol zastępczy stopki 5"/>
+          <p:cNvSpPr>
+            <a:spLocks noGrp="1"/>
+          </p:cNvSpPr>
+          <p:nvPr>
+            <p:ph type="ftr" sz="quarter" idx="4"/>
+          </p:nvPr>
+        </p:nvSpPr>
+        <p:spPr>
+          <a:xfrm>
+            <a:off x="0" y="8685213"/>
+            <a:ext cx="2971800" cy="458787"/>
+          </a:xfrm>
+          <a:prstGeom prst="rect">
+            <a:avLst/>
+          </a:prstGeom>
+        </p:spPr>
+        <p:txBody>
+          <a:bodyPr vert="horz" lIns="91440" tIns="45720" rIns="91440" bIns="45720" rtlCol="0" anchor="b"/>
+          <a:lstStyle>
+            <a:lvl1pPr algn="l">
+              <a:defRPr sz="1200"/>
+            </a:lvl1pPr>
+          </a:lstStyle>
+          <a:p>
+            <a:endParaRPr lang="pl-PL"/>
+          </a:p>
+        </p:txBody>
+      </p:sp>
+      <p:sp>
+        <p:nvSpPr>
+          <p:cNvPr id="7" name="Symbol zastępczy numeru slajdu 6"/>
+          <p:cNvSpPr>
+            <a:spLocks noGrp="1"/>
+          </p:cNvSpPr>
+          <p:nvPr>
+            <p:ph type="sldNum" sz="quarter" idx="5"/>
+          </p:nvPr>
+        </p:nvSpPr>
+        <p:spPr>
+          <a:xfrm>
+            <a:off x="3884613" y="8685213"/>
+            <a:ext cx="2971800" cy="458787"/>
+          </a:xfrm>
+          <a:prstGeom prst="rect">
+            <a:avLst/>
+          </a:prstGeom>
+        </p:spPr>
+        <p:txBody>
+          <a:bodyPr vert="horz" lIns="91440" tIns="45720" rIns="91440" bIns="45720" rtlCol="0" anchor="b"/>
+          <a:lstStyle>
+            <a:lvl1pPr algn="r">
+              <a:defRPr sz="1200"/>
+            </a:lvl1pPr>
+          </a:lstStyle>
+          <a:p>
+            <a:fld id="{93B440F6-995E-44C0-89D7-BDB822AAB00A}" type="slidenum">
+              <a:rPr lang="pl-PL" smtClean="0"/>
+              <a:t>‹#›</a:t>
+            </a:fld>
+            <a:endParaRPr lang="pl-PL"/>
+          </a:p>
+        </p:txBody>
+      </p:sp>
+    </p:spTree>
+    <p:extLst>
+      <p:ext uri="{BB962C8B-B14F-4D97-AF65-F5344CB8AC3E}">
+        <p14:creationId xmlns:p14="http://schemas.microsoft.com/office/powerpoint/2010/main" val="3382553593"/>
+      </p:ext>
+    </p:extLst>
+  </p:cSld>
+  <p:clrMap bg1="lt1" tx1="dk1" bg2="lt2" tx2="dk2" accent1="accent1" accent2="accent2" accent3="accent3" accent4="accent4" accent5="accent5" accent6="accent6" hlink="hlink" folHlink="folHlink"/>
+  <p:notesStyle>
+    <a:lvl1pPr marL="0" algn="l" defTabSz="914400" rtl="0" eaLnBrk="1" latinLnBrk="0" hangingPunct="1">
+      <a:defRPr sz="1200" kern="1200">
+        <a:solidFill>
+          <a:schemeClr val="tx1"/>
+        </a:solidFill>
+        <a:latin typeface="+mn-lt"/>
+        <a:ea typeface="+mn-ea"/>
+        <a:cs typeface="+mn-cs"/>
+      </a:defRPr>
+    </a:lvl1pPr>
+    <a:lvl2pPr marL="457200" algn="l" defTabSz="914400" rtl="0" eaLnBrk="1" latinLnBrk="0" hangingPunct="1">
+      <a:defRPr sz="1200" kern="1200">
+        <a:solidFill>
+          <a:schemeClr val="tx1"/>
+        </a:solidFill>
+        <a:latin typeface="+mn-lt"/>
+        <a:ea typeface="+mn-ea"/>
+        <a:cs typeface="+mn-cs"/>
+      </a:defRPr>
+    </a:lvl2pPr>
+    <a:lvl3pPr marL="914400" algn="l" defTabSz="914400" rtl="0" eaLnBrk="1" latinLnBrk="0" hangingPunct="1">
+      <a:defRPr sz="1200" kern="1200">
+        <a:solidFill>
+          <a:schemeClr val="tx1"/>
+        </a:solidFill>
+        <a:latin typeface="+mn-lt"/>
+        <a:ea typeface="+mn-ea"/>
+        <a:cs typeface="+mn-cs"/>
+      </a:defRPr>
+    </a:lvl3pPr>
+    <a:lvl4pPr marL="1371600" algn="l" defTabSz="914400" rtl="0" eaLnBrk="1" latinLnBrk="0" hangingPunct="1">
+      <a:defRPr sz="1200" kern="1200">
+        <a:solidFill>
+          <a:schemeClr val="tx1"/>
+        </a:solidFill>
+        <a:latin typeface="+mn-lt"/>
+        <a:ea typeface="+mn-ea"/>
+        <a:cs typeface="+mn-cs"/>
+      </a:defRPr>
+    </a:lvl4pPr>
+    <a:lvl5pPr marL="1828800" algn="l" defTabSz="914400" rtl="0" eaLnBrk="1" latinLnBrk="0" hangingPunct="1">
+      <a:defRPr sz="1200" kern="1200">
+        <a:solidFill>
+          <a:schemeClr val="tx1"/>
+        </a:solidFill>
+        <a:latin typeface="+mn-lt"/>
+        <a:ea typeface="+mn-ea"/>
+        <a:cs typeface="+mn-cs"/>
+      </a:defRPr>
+    </a:lvl5pPr>
+    <a:lvl6pPr marL="2286000" algn="l" defTabSz="914400" rtl="0" eaLnBrk="1" latinLnBrk="0" hangingPunct="1">
+      <a:defRPr sz="1200" kern="1200">
+        <a:solidFill>
+          <a:schemeClr val="tx1"/>
+        </a:solidFill>
+        <a:latin typeface="+mn-lt"/>
+        <a:ea typeface="+mn-ea"/>
+        <a:cs typeface="+mn-cs"/>
+      </a:defRPr>
+    </a:lvl6pPr>
+    <a:lvl7pPr marL="2743200" algn="l" defTabSz="914400" rtl="0" eaLnBrk="1" latinLnBrk="0" hangingPunct="1">
+      <a:defRPr sz="1200" kern="1200">
+        <a:solidFill>
+          <a:schemeClr val="tx1"/>
+        </a:solidFill>
+        <a:latin typeface="+mn-lt"/>
+        <a:ea typeface="+mn-ea"/>
+        <a:cs typeface="+mn-cs"/>
+      </a:defRPr>
+    </a:lvl7pPr>
+    <a:lvl8pPr marL="3200400" algn="l" defTabSz="914400" rtl="0" eaLnBrk="1" latinLnBrk="0" hangingPunct="1">
+      <a:defRPr sz="1200" kern="1200">
+        <a:solidFill>
+          <a:schemeClr val="tx1"/>
+        </a:solidFill>
+        <a:latin typeface="+mn-lt"/>
+        <a:ea typeface="+mn-ea"/>
+        <a:cs typeface="+mn-cs"/>
+      </a:defRPr>
+    </a:lvl8pPr>
+    <a:lvl9pPr marL="3657600" algn="l" defTabSz="914400" rtl="0" eaLnBrk="1" latinLnBrk="0" hangingPunct="1">
+      <a:defRPr sz="1200" kern="1200">
+        <a:solidFill>
+          <a:schemeClr val="tx1"/>
+        </a:solidFill>
+        <a:latin typeface="+mn-lt"/>
+        <a:ea typeface="+mn-ea"/>
+        <a:cs typeface="+mn-cs"/>
+      </a:defRPr>
+    </a:lvl9pPr>
+  </p:notesStyle>
+</p:notesMaster>
+</file>
+
+<file path=ppt/notesSlides/notesSlide1.xml><?xml version="1.0" encoding="utf-8"?>
+<p:notes xmlns:a="http://schemas.openxmlformats.org/drawingml/2006/main" xmlns:r="http://schemas.openxmlformats.org/officeDocument/2006/relationships" xmlns:p="http://schemas.openxmlformats.org/presentationml/2006/main">
+  <p:cSld>
+    <p:spTree>
+      <p:nvGrpSpPr>
+        <p:cNvPr id="1" name=""/>
+        <p:cNvGrpSpPr/>
+        <p:nvPr/>
+      </p:nvGrpSpPr>
+      <p:grpSpPr>
+        <a:xfrm>
+          <a:off x="0" y="0"/>
+          <a:ext cx="0" cy="0"/>
+          <a:chOff x="0" y="0"/>
+          <a:chExt cx="0" cy="0"/>
+        </a:xfrm>
+      </p:grpSpPr>
+      <p:sp>
+        <p:nvSpPr>
+          <p:cNvPr id="2" name="Symbol zastępczy obrazu slajdu 1"/>
+          <p:cNvSpPr>
+            <a:spLocks noGrp="1" noRot="1" noChangeAspect="1"/>
+          </p:cNvSpPr>
+          <p:nvPr>
+            <p:ph type="sldImg"/>
+          </p:nvPr>
+        </p:nvSpPr>
+        <p:spPr/>
+      </p:sp>
+      <p:sp>
+        <p:nvSpPr>
+          <p:cNvPr id="3" name="Symbol zastępczy notatek 2"/>
+          <p:cNvSpPr>
+            <a:spLocks noGrp="1"/>
+          </p:cNvSpPr>
+          <p:nvPr>
+            <p:ph type="body" idx="1"/>
+          </p:nvPr>
+        </p:nvSpPr>
+        <p:spPr/>
+        <p:txBody>
+          <a:bodyPr/>
+          <a:lstStyle/>
+          <a:p>
+            <a:endParaRPr lang="pl-PL" dirty="0"/>
+          </a:p>
+        </p:txBody>
+      </p:sp>
+      <p:sp>
+        <p:nvSpPr>
+          <p:cNvPr id="4" name="Symbol zastępczy numeru slajdu 3"/>
+          <p:cNvSpPr>
+            <a:spLocks noGrp="1"/>
+          </p:cNvSpPr>
+          <p:nvPr>
+            <p:ph type="sldNum" sz="quarter" idx="5"/>
+          </p:nvPr>
+        </p:nvSpPr>
+        <p:spPr/>
+        <p:txBody>
+          <a:bodyPr/>
+          <a:lstStyle/>
+          <a:p>
+            <a:fld id="{93B440F6-995E-44C0-89D7-BDB822AAB00A}" type="slidenum">
+              <a:rPr lang="pl-PL" smtClean="0"/>
+              <a:t>5</a:t>
+            </a:fld>
+            <a:endParaRPr lang="pl-PL"/>
+          </a:p>
+        </p:txBody>
+      </p:sp>
+    </p:spTree>
+    <p:extLst>
+      <p:ext uri="{BB962C8B-B14F-4D97-AF65-F5344CB8AC3E}">
+        <p14:creationId xmlns:p14="http://schemas.microsoft.com/office/powerpoint/2010/main" val="1213452381"/>
+      </p:ext>
+    </p:extLst>
+  </p:cSld>
+  <p:clrMapOvr>
+    <a:masterClrMapping/>
+  </p:clrMapOvr>
+</p:notes>
 </file>
 
 <file path=ppt/slideLayouts/slideLayout1.xml><?xml version="1.0" encoding="utf-8"?>
@@ -685,7 +1137,7 @@
           </a:lstStyle>
           <a:p>
             <a:r>
-              <a:rPr kumimoji="0" lang="pl-PL" smtClean="0"/>
+              <a:rPr kumimoji="0" lang="pl-PL"/>
               <a:t>Kliknij, aby edytować styl</a:t>
             </a:r>
             <a:endParaRPr kumimoji="0" lang="en-US"/>
@@ -746,7 +1198,7 @@
           </a:lstStyle>
           <a:p>
             <a:r>
-              <a:rPr kumimoji="0" lang="pl-PL" smtClean="0"/>
+              <a:rPr kumimoji="0" lang="pl-PL"/>
               <a:t>Kliknij, aby edytować styl wzorca podtytułu</a:t>
             </a:r>
             <a:endParaRPr kumimoji="0" lang="en-US"/>
@@ -882,7 +1334,7 @@
           <a:lstStyle/>
           <a:p>
             <a:r>
-              <a:rPr kumimoji="0" lang="pl-PL" smtClean="0"/>
+              <a:rPr kumimoji="0" lang="pl-PL"/>
               <a:t>Kliknij, aby edytować styl</a:t>
             </a:r>
             <a:endParaRPr kumimoji="0" lang="en-US"/>
@@ -906,35 +1358,35 @@
           <a:p>
             <a:pPr lvl="0" eaLnBrk="1" latinLnBrk="0" hangingPunct="1"/>
             <a:r>
-              <a:rPr lang="pl-PL" smtClean="0"/>
+              <a:rPr lang="pl-PL"/>
               <a:t>Kliknij, aby edytować style wzorca tekstu</a:t>
             </a:r>
           </a:p>
           <a:p>
             <a:pPr lvl="1" eaLnBrk="1" latinLnBrk="0" hangingPunct="1"/>
             <a:r>
-              <a:rPr lang="pl-PL" smtClean="0"/>
+              <a:rPr lang="pl-PL"/>
               <a:t>Drugi poziom</a:t>
             </a:r>
           </a:p>
           <a:p>
             <a:pPr lvl="2" eaLnBrk="1" latinLnBrk="0" hangingPunct="1"/>
             <a:r>
-              <a:rPr lang="pl-PL" smtClean="0"/>
+              <a:rPr lang="pl-PL"/>
               <a:t>Trzeci poziom</a:t>
             </a:r>
           </a:p>
           <a:p>
             <a:pPr lvl="3" eaLnBrk="1" latinLnBrk="0" hangingPunct="1"/>
             <a:r>
-              <a:rPr lang="pl-PL" smtClean="0"/>
+              <a:rPr lang="pl-PL"/>
               <a:t>Czwarty poziom</a:t>
             </a:r>
           </a:p>
           <a:p>
             <a:pPr lvl="4" eaLnBrk="1" latinLnBrk="0" hangingPunct="1"/>
             <a:r>
-              <a:rPr lang="pl-PL" smtClean="0"/>
+              <a:rPr lang="pl-PL"/>
               <a:t>Piąty poziom</a:t>
             </a:r>
             <a:endParaRPr kumimoji="0" lang="en-US"/>
@@ -1052,7 +1504,7 @@
           <a:lstStyle/>
           <a:p>
             <a:r>
-              <a:rPr kumimoji="0" lang="pl-PL" smtClean="0"/>
+              <a:rPr kumimoji="0" lang="pl-PL"/>
               <a:t>Kliknij, aby edytować styl</a:t>
             </a:r>
             <a:endParaRPr kumimoji="0" lang="en-US"/>
@@ -1081,35 +1533,35 @@
           <a:p>
             <a:pPr lvl="0" eaLnBrk="1" latinLnBrk="0" hangingPunct="1"/>
             <a:r>
-              <a:rPr lang="pl-PL" smtClean="0"/>
+              <a:rPr lang="pl-PL"/>
               <a:t>Kliknij, aby edytować style wzorca tekstu</a:t>
             </a:r>
           </a:p>
           <a:p>
             <a:pPr lvl="1" eaLnBrk="1" latinLnBrk="0" hangingPunct="1"/>
             <a:r>
-              <a:rPr lang="pl-PL" smtClean="0"/>
+              <a:rPr lang="pl-PL"/>
               <a:t>Drugi poziom</a:t>
             </a:r>
           </a:p>
           <a:p>
             <a:pPr lvl="2" eaLnBrk="1" latinLnBrk="0" hangingPunct="1"/>
             <a:r>
-              <a:rPr lang="pl-PL" smtClean="0"/>
+              <a:rPr lang="pl-PL"/>
               <a:t>Trzeci poziom</a:t>
             </a:r>
           </a:p>
           <a:p>
             <a:pPr lvl="3" eaLnBrk="1" latinLnBrk="0" hangingPunct="1"/>
             <a:r>
-              <a:rPr lang="pl-PL" smtClean="0"/>
+              <a:rPr lang="pl-PL"/>
               <a:t>Czwarty poziom</a:t>
             </a:r>
           </a:p>
           <a:p>
             <a:pPr lvl="4" eaLnBrk="1" latinLnBrk="0" hangingPunct="1"/>
             <a:r>
-              <a:rPr lang="pl-PL" smtClean="0"/>
+              <a:rPr lang="pl-PL"/>
               <a:t>Piąty poziom</a:t>
             </a:r>
             <a:endParaRPr kumimoji="0" lang="en-US"/>
@@ -1222,7 +1674,7 @@
           <a:lstStyle/>
           <a:p>
             <a:r>
-              <a:rPr kumimoji="0" lang="pl-PL" smtClean="0"/>
+              <a:rPr kumimoji="0" lang="pl-PL"/>
               <a:t>Kliknij, aby edytować styl</a:t>
             </a:r>
             <a:endParaRPr kumimoji="0" lang="en-US"/>
@@ -1246,35 +1698,35 @@
           <a:p>
             <a:pPr lvl="0" eaLnBrk="1" latinLnBrk="0" hangingPunct="1"/>
             <a:r>
-              <a:rPr lang="pl-PL" smtClean="0"/>
+              <a:rPr lang="pl-PL"/>
               <a:t>Kliknij, aby edytować style wzorca tekstu</a:t>
             </a:r>
           </a:p>
           <a:p>
             <a:pPr lvl="1" eaLnBrk="1" latinLnBrk="0" hangingPunct="1"/>
             <a:r>
-              <a:rPr lang="pl-PL" smtClean="0"/>
+              <a:rPr lang="pl-PL"/>
               <a:t>Drugi poziom</a:t>
             </a:r>
           </a:p>
           <a:p>
             <a:pPr lvl="2" eaLnBrk="1" latinLnBrk="0" hangingPunct="1"/>
             <a:r>
-              <a:rPr lang="pl-PL" smtClean="0"/>
+              <a:rPr lang="pl-PL"/>
               <a:t>Trzeci poziom</a:t>
             </a:r>
           </a:p>
           <a:p>
             <a:pPr lvl="3" eaLnBrk="1" latinLnBrk="0" hangingPunct="1"/>
             <a:r>
-              <a:rPr lang="pl-PL" smtClean="0"/>
+              <a:rPr lang="pl-PL"/>
               <a:t>Czwarty poziom</a:t>
             </a:r>
           </a:p>
           <a:p>
             <a:pPr lvl="4" eaLnBrk="1" latinLnBrk="0" hangingPunct="1"/>
             <a:r>
-              <a:rPr lang="pl-PL" smtClean="0"/>
+              <a:rPr lang="pl-PL"/>
               <a:t>Piąty poziom</a:t>
             </a:r>
             <a:endParaRPr kumimoji="0" lang="en-US"/>
@@ -1418,7 +1870,7 @@
           </a:lstStyle>
           <a:p>
             <a:r>
-              <a:rPr kumimoji="0" lang="pl-PL" smtClean="0"/>
+              <a:rPr kumimoji="0" lang="pl-PL"/>
               <a:t>Kliknij, aby edytować styl</a:t>
             </a:r>
             <a:endParaRPr kumimoji="0" lang="en-US"/>
@@ -1496,7 +1948,7 @@
           <a:p>
             <a:pPr lvl="0" eaLnBrk="1" latinLnBrk="0" hangingPunct="1"/>
             <a:r>
-              <a:rPr kumimoji="0" lang="pl-PL" smtClean="0"/>
+              <a:rPr kumimoji="0" lang="pl-PL"/>
               <a:t>Kliknij, aby edytować style wzorca tekstu</a:t>
             </a:r>
           </a:p>
@@ -1608,7 +2060,7 @@
           <a:lstStyle/>
           <a:p>
             <a:r>
-              <a:rPr kumimoji="0" lang="pl-PL" smtClean="0"/>
+              <a:rPr kumimoji="0" lang="pl-PL"/>
               <a:t>Kliknij, aby edytować styl</a:t>
             </a:r>
             <a:endParaRPr kumimoji="0" lang="en-US"/>
@@ -1653,35 +2105,35 @@
           <a:p>
             <a:pPr lvl="0" eaLnBrk="1" latinLnBrk="0" hangingPunct="1"/>
             <a:r>
-              <a:rPr lang="pl-PL" smtClean="0"/>
+              <a:rPr lang="pl-PL"/>
               <a:t>Kliknij, aby edytować style wzorca tekstu</a:t>
             </a:r>
           </a:p>
           <a:p>
             <a:pPr lvl="1" eaLnBrk="1" latinLnBrk="0" hangingPunct="1"/>
             <a:r>
-              <a:rPr lang="pl-PL" smtClean="0"/>
+              <a:rPr lang="pl-PL"/>
               <a:t>Drugi poziom</a:t>
             </a:r>
           </a:p>
           <a:p>
             <a:pPr lvl="2" eaLnBrk="1" latinLnBrk="0" hangingPunct="1"/>
             <a:r>
-              <a:rPr lang="pl-PL" smtClean="0"/>
+              <a:rPr lang="pl-PL"/>
               <a:t>Trzeci poziom</a:t>
             </a:r>
           </a:p>
           <a:p>
             <a:pPr lvl="3" eaLnBrk="1" latinLnBrk="0" hangingPunct="1"/>
             <a:r>
-              <a:rPr lang="pl-PL" smtClean="0"/>
+              <a:rPr lang="pl-PL"/>
               <a:t>Czwarty poziom</a:t>
             </a:r>
           </a:p>
           <a:p>
             <a:pPr lvl="4" eaLnBrk="1" latinLnBrk="0" hangingPunct="1"/>
             <a:r>
-              <a:rPr lang="pl-PL" smtClean="0"/>
+              <a:rPr lang="pl-PL"/>
               <a:t>Piąty poziom</a:t>
             </a:r>
             <a:endParaRPr kumimoji="0" lang="en-US"/>
@@ -1726,35 +2178,35 @@
           <a:p>
             <a:pPr lvl="0" eaLnBrk="1" latinLnBrk="0" hangingPunct="1"/>
             <a:r>
-              <a:rPr lang="pl-PL" smtClean="0"/>
+              <a:rPr lang="pl-PL"/>
               <a:t>Kliknij, aby edytować style wzorca tekstu</a:t>
             </a:r>
           </a:p>
           <a:p>
             <a:pPr lvl="1" eaLnBrk="1" latinLnBrk="0" hangingPunct="1"/>
             <a:r>
-              <a:rPr lang="pl-PL" smtClean="0"/>
+              <a:rPr lang="pl-PL"/>
               <a:t>Drugi poziom</a:t>
             </a:r>
           </a:p>
           <a:p>
             <a:pPr lvl="2" eaLnBrk="1" latinLnBrk="0" hangingPunct="1"/>
             <a:r>
-              <a:rPr lang="pl-PL" smtClean="0"/>
+              <a:rPr lang="pl-PL"/>
               <a:t>Trzeci poziom</a:t>
             </a:r>
           </a:p>
           <a:p>
             <a:pPr lvl="3" eaLnBrk="1" latinLnBrk="0" hangingPunct="1"/>
             <a:r>
-              <a:rPr lang="pl-PL" smtClean="0"/>
+              <a:rPr lang="pl-PL"/>
               <a:t>Czwarty poziom</a:t>
             </a:r>
           </a:p>
           <a:p>
             <a:pPr lvl="4" eaLnBrk="1" latinLnBrk="0" hangingPunct="1"/>
             <a:r>
-              <a:rPr lang="pl-PL" smtClean="0"/>
+              <a:rPr lang="pl-PL"/>
               <a:t>Piąty poziom</a:t>
             </a:r>
             <a:endParaRPr kumimoji="0" lang="en-US"/>
@@ -1876,7 +2328,7 @@
           </a:lstStyle>
           <a:p>
             <a:r>
-              <a:rPr kumimoji="0" lang="pl-PL" smtClean="0"/>
+              <a:rPr kumimoji="0" lang="pl-PL"/>
               <a:t>Kliknij, aby edytować styl</a:t>
             </a:r>
             <a:endParaRPr kumimoji="0" lang="en-US"/>
@@ -1945,7 +2397,7 @@
           <a:p>
             <a:pPr lvl="0" eaLnBrk="1" latinLnBrk="0" hangingPunct="1"/>
             <a:r>
-              <a:rPr kumimoji="0" lang="pl-PL" smtClean="0"/>
+              <a:rPr kumimoji="0" lang="pl-PL"/>
               <a:t>Kliknij, aby edytować style wzorca tekstu</a:t>
             </a:r>
           </a:p>
@@ -2013,7 +2465,7 @@
           <a:p>
             <a:pPr lvl="0" eaLnBrk="1" latinLnBrk="0" hangingPunct="1"/>
             <a:r>
-              <a:rPr kumimoji="0" lang="pl-PL" smtClean="0"/>
+              <a:rPr kumimoji="0" lang="pl-PL"/>
               <a:t>Kliknij, aby edytować style wzorca tekstu</a:t>
             </a:r>
           </a:p>
@@ -2057,35 +2509,35 @@
           <a:p>
             <a:pPr lvl="0" eaLnBrk="1" latinLnBrk="0" hangingPunct="1"/>
             <a:r>
-              <a:rPr lang="pl-PL" smtClean="0"/>
+              <a:rPr lang="pl-PL"/>
               <a:t>Kliknij, aby edytować style wzorca tekstu</a:t>
             </a:r>
           </a:p>
           <a:p>
             <a:pPr lvl="1" eaLnBrk="1" latinLnBrk="0" hangingPunct="1"/>
             <a:r>
-              <a:rPr lang="pl-PL" smtClean="0"/>
+              <a:rPr lang="pl-PL"/>
               <a:t>Drugi poziom</a:t>
             </a:r>
           </a:p>
           <a:p>
             <a:pPr lvl="2" eaLnBrk="1" latinLnBrk="0" hangingPunct="1"/>
             <a:r>
-              <a:rPr lang="pl-PL" smtClean="0"/>
+              <a:rPr lang="pl-PL"/>
               <a:t>Trzeci poziom</a:t>
             </a:r>
           </a:p>
           <a:p>
             <a:pPr lvl="3" eaLnBrk="1" latinLnBrk="0" hangingPunct="1"/>
             <a:r>
-              <a:rPr lang="pl-PL" smtClean="0"/>
+              <a:rPr lang="pl-PL"/>
               <a:t>Czwarty poziom</a:t>
             </a:r>
           </a:p>
           <a:p>
             <a:pPr lvl="4" eaLnBrk="1" latinLnBrk="0" hangingPunct="1"/>
             <a:r>
-              <a:rPr lang="pl-PL" smtClean="0"/>
+              <a:rPr lang="pl-PL"/>
               <a:t>Piąty poziom</a:t>
             </a:r>
             <a:endParaRPr kumimoji="0" lang="en-US"/>
@@ -2130,35 +2582,35 @@
           <a:p>
             <a:pPr lvl="0" eaLnBrk="1" latinLnBrk="0" hangingPunct="1"/>
             <a:r>
-              <a:rPr lang="pl-PL" smtClean="0"/>
+              <a:rPr lang="pl-PL"/>
               <a:t>Kliknij, aby edytować style wzorca tekstu</a:t>
             </a:r>
           </a:p>
           <a:p>
             <a:pPr lvl="1" eaLnBrk="1" latinLnBrk="0" hangingPunct="1"/>
             <a:r>
-              <a:rPr lang="pl-PL" smtClean="0"/>
+              <a:rPr lang="pl-PL"/>
               <a:t>Drugi poziom</a:t>
             </a:r>
           </a:p>
           <a:p>
             <a:pPr lvl="2" eaLnBrk="1" latinLnBrk="0" hangingPunct="1"/>
             <a:r>
-              <a:rPr lang="pl-PL" smtClean="0"/>
+              <a:rPr lang="pl-PL"/>
               <a:t>Trzeci poziom</a:t>
             </a:r>
           </a:p>
           <a:p>
             <a:pPr lvl="3" eaLnBrk="1" latinLnBrk="0" hangingPunct="1"/>
             <a:r>
-              <a:rPr lang="pl-PL" smtClean="0"/>
+              <a:rPr lang="pl-PL"/>
               <a:t>Czwarty poziom</a:t>
             </a:r>
           </a:p>
           <a:p>
             <a:pPr lvl="4" eaLnBrk="1" latinLnBrk="0" hangingPunct="1"/>
             <a:r>
-              <a:rPr lang="pl-PL" smtClean="0"/>
+              <a:rPr lang="pl-PL"/>
               <a:t>Piąty poziom</a:t>
             </a:r>
             <a:endParaRPr kumimoji="0" lang="en-US"/>
@@ -2284,7 +2736,7 @@
           </a:lstStyle>
           <a:p>
             <a:r>
-              <a:rPr kumimoji="0" lang="pl-PL" smtClean="0"/>
+              <a:rPr kumimoji="0" lang="pl-PL"/>
               <a:t>Kliknij, aby edytować styl</a:t>
             </a:r>
             <a:endParaRPr kumimoji="0" lang="en-US"/>
@@ -2512,7 +2964,7 @@
           </a:lstStyle>
           <a:p>
             <a:r>
-              <a:rPr kumimoji="0" lang="pl-PL" smtClean="0"/>
+              <a:rPr kumimoji="0" lang="pl-PL"/>
               <a:t>Kliknij, aby edytować styl</a:t>
             </a:r>
             <a:endParaRPr kumimoji="0" lang="en-US"/>
@@ -2562,7 +3014,7 @@
           <a:p>
             <a:pPr lvl="0" eaLnBrk="1" latinLnBrk="0" hangingPunct="1"/>
             <a:r>
-              <a:rPr kumimoji="0" lang="pl-PL" smtClean="0"/>
+              <a:rPr kumimoji="0" lang="pl-PL"/>
               <a:t>Kliknij, aby edytować style wzorca tekstu</a:t>
             </a:r>
           </a:p>
@@ -2606,35 +3058,35 @@
           <a:p>
             <a:pPr lvl="0" eaLnBrk="1" latinLnBrk="0" hangingPunct="1"/>
             <a:r>
-              <a:rPr lang="pl-PL" smtClean="0"/>
+              <a:rPr lang="pl-PL"/>
               <a:t>Kliknij, aby edytować style wzorca tekstu</a:t>
             </a:r>
           </a:p>
           <a:p>
             <a:pPr lvl="1" eaLnBrk="1" latinLnBrk="0" hangingPunct="1"/>
             <a:r>
-              <a:rPr lang="pl-PL" smtClean="0"/>
+              <a:rPr lang="pl-PL"/>
               <a:t>Drugi poziom</a:t>
             </a:r>
           </a:p>
           <a:p>
             <a:pPr lvl="2" eaLnBrk="1" latinLnBrk="0" hangingPunct="1"/>
             <a:r>
-              <a:rPr lang="pl-PL" smtClean="0"/>
+              <a:rPr lang="pl-PL"/>
               <a:t>Trzeci poziom</a:t>
             </a:r>
           </a:p>
           <a:p>
             <a:pPr lvl="3" eaLnBrk="1" latinLnBrk="0" hangingPunct="1"/>
             <a:r>
-              <a:rPr lang="pl-PL" smtClean="0"/>
+              <a:rPr lang="pl-PL"/>
               <a:t>Czwarty poziom</a:t>
             </a:r>
           </a:p>
           <a:p>
             <a:pPr lvl="4" eaLnBrk="1" latinLnBrk="0" hangingPunct="1"/>
             <a:r>
-              <a:rPr lang="pl-PL" smtClean="0"/>
+              <a:rPr lang="pl-PL"/>
               <a:t>Piąty poziom</a:t>
             </a:r>
             <a:endParaRPr kumimoji="0" lang="en-US"/>
@@ -2757,7 +3209,7 @@
           </a:lstStyle>
           <a:p>
             <a:r>
-              <a:rPr kumimoji="0" lang="pl-PL" smtClean="0"/>
+              <a:rPr kumimoji="0" lang="pl-PL"/>
               <a:t>Kliknij, aby edytować styl</a:t>
             </a:r>
             <a:endParaRPr kumimoji="0" lang="en-US"/>
@@ -2818,7 +3270,7 @@
           </a:lstStyle>
           <a:p>
             <a:r>
-              <a:rPr kumimoji="0" lang="pl-PL" smtClean="0"/>
+              <a:rPr kumimoji="0" lang="pl-PL"/>
               <a:t>Kliknij ikonę, aby dodać obraz</a:t>
             </a:r>
             <a:endParaRPr kumimoji="0" lang="en-US" dirty="0"/>
@@ -2879,7 +3331,7 @@
           <a:p>
             <a:pPr lvl="0" eaLnBrk="1" latinLnBrk="0" hangingPunct="1"/>
             <a:r>
-              <a:rPr kumimoji="0" lang="pl-PL" smtClean="0"/>
+              <a:rPr kumimoji="0" lang="pl-PL"/>
               <a:t>Kliknij, aby edytować style wzorca tekstu</a:t>
             </a:r>
           </a:p>
@@ -3624,7 +4076,7 @@
           <a:lstStyle/>
           <a:p>
             <a:r>
-              <a:rPr kumimoji="0" lang="pl-PL" smtClean="0"/>
+              <a:rPr kumimoji="0" lang="pl-PL"/>
               <a:t>Kliknij, aby edytować styl</a:t>
             </a:r>
             <a:endParaRPr kumimoji="0" lang="en-US"/>
@@ -3658,35 +4110,35 @@
           <a:p>
             <a:pPr lvl="0" eaLnBrk="1" latinLnBrk="0" hangingPunct="1"/>
             <a:r>
-              <a:rPr kumimoji="0" lang="pl-PL" smtClean="0"/>
+              <a:rPr kumimoji="0" lang="pl-PL"/>
               <a:t>Kliknij, aby edytować style wzorca tekstu</a:t>
             </a:r>
           </a:p>
           <a:p>
             <a:pPr lvl="1" eaLnBrk="1" latinLnBrk="0" hangingPunct="1"/>
             <a:r>
-              <a:rPr kumimoji="0" lang="pl-PL" smtClean="0"/>
+              <a:rPr kumimoji="0" lang="pl-PL"/>
               <a:t>Drugi poziom</a:t>
             </a:r>
           </a:p>
           <a:p>
             <a:pPr lvl="2" eaLnBrk="1" latinLnBrk="0" hangingPunct="1"/>
             <a:r>
-              <a:rPr kumimoji="0" lang="pl-PL" smtClean="0"/>
+              <a:rPr kumimoji="0" lang="pl-PL"/>
               <a:t>Trzeci poziom</a:t>
             </a:r>
           </a:p>
           <a:p>
             <a:pPr lvl="3" eaLnBrk="1" latinLnBrk="0" hangingPunct="1"/>
             <a:r>
-              <a:rPr kumimoji="0" lang="pl-PL" smtClean="0"/>
+              <a:rPr kumimoji="0" lang="pl-PL"/>
               <a:t>Czwarty poziom</a:t>
             </a:r>
           </a:p>
           <a:p>
             <a:pPr lvl="4" eaLnBrk="1" latinLnBrk="0" hangingPunct="1"/>
             <a:r>
-              <a:rPr kumimoji="0" lang="pl-PL" smtClean="0"/>
+              <a:rPr kumimoji="0" lang="pl-PL"/>
               <a:t>Piąty poziom</a:t>
             </a:r>
             <a:endParaRPr kumimoji="0" lang="en-US"/>
@@ -4137,10 +4589,9 @@
           <a:lstStyle/>
           <a:p>
             <a:r>
-              <a:rPr lang="pl-PL" sz="6000" dirty="0" smtClean="0"/>
+              <a:rPr lang="pl-PL" sz="6000" dirty="0"/>
               <a:t>IPAM</a:t>
             </a:r>
-            <a:endParaRPr lang="pl-PL" sz="6000" dirty="0"/>
           </a:p>
         </p:txBody>
       </p:sp>
@@ -4162,16 +4613,15 @@
           <a:lstStyle/>
           <a:p>
             <a:r>
-              <a:rPr lang="pl-PL" sz="1600" dirty="0" smtClean="0"/>
+              <a:rPr lang="pl-PL" sz="1600" dirty="0"/>
               <a:t>Katarzyna Wolska</a:t>
             </a:r>
           </a:p>
           <a:p>
             <a:r>
-              <a:rPr lang="pl-PL" sz="1600" dirty="0" smtClean="0"/>
+              <a:rPr lang="pl-PL" sz="1600" dirty="0"/>
               <a:t>Konrad Magiera</a:t>
             </a:r>
-            <a:endParaRPr lang="pl-PL" sz="1600" dirty="0"/>
           </a:p>
         </p:txBody>
       </p:sp>
@@ -4185,13 +4635,6 @@
   <p:clrMapOvr>
     <a:masterClrMapping/>
   </p:clrMapOvr>
-  <p:timing>
-    <p:tnLst>
-      <p:par>
-        <p:cTn id="1" dur="indefinite" restart="never" nodeType="tmRoot"/>
-      </p:par>
-    </p:tnLst>
-  </p:timing>
 </p:sld>
 </file>
 
@@ -4228,11 +4671,11 @@
           <a:lstStyle/>
           <a:p>
             <a:r>
-              <a:rPr lang="pl-PL" dirty="0" smtClean="0"/>
+              <a:rPr lang="pl-PL" dirty="0"/>
               <a:t>Wykorzystanie </a:t>
             </a:r>
             <a:r>
-              <a:rPr lang="pl-PL" dirty="0" err="1" smtClean="0"/>
+              <a:rPr lang="pl-PL" dirty="0" err="1"/>
               <a:t>PrivateRoute</a:t>
             </a:r>
             <a:endParaRPr lang="pl-PL" dirty="0"/>
@@ -4335,13 +4778,6 @@
   <p:clrMapOvr>
     <a:masterClrMapping/>
   </p:clrMapOvr>
-  <p:timing>
-    <p:tnLst>
-      <p:par>
-        <p:cTn id="1" dur="indefinite" restart="never" nodeType="tmRoot"/>
-      </p:par>
-    </p:tnLst>
-  </p:timing>
 </p:sld>
 </file>
 
@@ -4378,10 +4814,9 @@
           <a:lstStyle/>
           <a:p>
             <a:r>
-              <a:rPr lang="pl-PL" dirty="0" smtClean="0"/>
+              <a:rPr lang="pl-PL" dirty="0"/>
               <a:t>Sparametryzowany komponent</a:t>
             </a:r>
-            <a:endParaRPr lang="pl-PL" dirty="0"/>
           </a:p>
         </p:txBody>
       </p:sp>
@@ -4890,10 +5325,9 @@
           <a:lstStyle/>
           <a:p>
             <a:r>
-              <a:rPr lang="pl-PL" dirty="0" smtClean="0"/>
+              <a:rPr lang="pl-PL" dirty="0"/>
               <a:t>Technologie</a:t>
             </a:r>
-            <a:endParaRPr lang="pl-PL" dirty="0"/>
           </a:p>
         </p:txBody>
       </p:sp>
@@ -5052,13 +5486,6 @@
   <p:clrMapOvr>
     <a:masterClrMapping/>
   </p:clrMapOvr>
-  <p:timing>
-    <p:tnLst>
-      <p:par>
-        <p:cTn id="1" dur="indefinite" restart="never" nodeType="tmRoot"/>
-      </p:par>
-    </p:tnLst>
-  </p:timing>
 </p:sld>
 </file>
 
@@ -5095,68 +5522,66 @@
           <a:lstStyle/>
           <a:p>
             <a:r>
-              <a:rPr lang="pl-PL" dirty="0" smtClean="0"/>
+              <a:rPr lang="pl-PL" dirty="0"/>
               <a:t>Dostępne funkcje</a:t>
             </a:r>
+          </a:p>
+        </p:txBody>
+      </p:sp>
+      <p:sp>
+        <p:nvSpPr>
+          <p:cNvPr id="5" name="Symbol zastępczy zawartości 4"/>
+          <p:cNvSpPr>
+            <a:spLocks noGrp="1"/>
+          </p:cNvSpPr>
+          <p:nvPr>
+            <p:ph idx="1"/>
+          </p:nvPr>
+        </p:nvSpPr>
+        <p:spPr/>
+        <p:txBody>
+          <a:bodyPr/>
+          <a:lstStyle/>
+          <a:p>
+            <a:r>
+              <a:rPr lang="pl-PL" dirty="0" err="1"/>
+              <a:t>Creat</a:t>
+            </a:r>
             <a:endParaRPr lang="pl-PL" dirty="0"/>
           </a:p>
-        </p:txBody>
-      </p:sp>
-      <p:sp>
-        <p:nvSpPr>
-          <p:cNvPr id="5" name="Symbol zastępczy zawartości 4"/>
-          <p:cNvSpPr>
-            <a:spLocks noGrp="1"/>
-          </p:cNvSpPr>
-          <p:nvPr>
-            <p:ph idx="1"/>
-          </p:nvPr>
-        </p:nvSpPr>
-        <p:spPr/>
-        <p:txBody>
-          <a:bodyPr/>
-          <a:lstStyle/>
-          <a:p>
-            <a:r>
-              <a:rPr lang="pl-PL" dirty="0" err="1" smtClean="0"/>
-              <a:t>Creat</a:t>
-            </a:r>
-            <a:endParaRPr lang="pl-PL" dirty="0" smtClean="0"/>
-          </a:p>
-          <a:p>
-            <a:r>
-              <a:rPr lang="pl-PL" dirty="0" smtClean="0"/>
+          <a:p>
+            <a:r>
+              <a:rPr lang="pl-PL" dirty="0"/>
               <a:t>Read</a:t>
             </a:r>
           </a:p>
           <a:p>
             <a:r>
-              <a:rPr lang="pl-PL" dirty="0" smtClean="0"/>
+              <a:rPr lang="pl-PL" dirty="0"/>
               <a:t>Update</a:t>
             </a:r>
           </a:p>
           <a:p>
             <a:r>
-              <a:rPr lang="pl-PL" dirty="0" err="1" smtClean="0"/>
+              <a:rPr lang="pl-PL" dirty="0" err="1"/>
               <a:t>Delete</a:t>
             </a:r>
-            <a:endParaRPr lang="pl-PL" dirty="0" smtClean="0"/>
-          </a:p>
-          <a:p>
             <a:endParaRPr lang="pl-PL" dirty="0"/>
           </a:p>
           <a:p>
-            <a:endParaRPr lang="pl-PL" dirty="0" smtClean="0"/>
-          </a:p>
-          <a:p>
-            <a:endParaRPr lang="pl-PL" dirty="0" smtClean="0"/>
-          </a:p>
-          <a:p>
-            <a:r>
-              <a:rPr lang="pl-PL" dirty="0" smtClean="0"/>
+            <a:endParaRPr lang="pl-PL" dirty="0"/>
+          </a:p>
+          <a:p>
+            <a:endParaRPr lang="pl-PL" dirty="0"/>
+          </a:p>
+          <a:p>
+            <a:endParaRPr lang="pl-PL" dirty="0"/>
+          </a:p>
+          <a:p>
+            <a:r>
+              <a:rPr lang="pl-PL" dirty="0"/>
               <a:t>Import/Eksport</a:t>
             </a:r>
-            <a:endParaRPr lang="pl-PL" dirty="0"/>
           </a:p>
         </p:txBody>
       </p:sp>
@@ -5298,13 +5723,6 @@
   <p:clrMapOvr>
     <a:masterClrMapping/>
   </p:clrMapOvr>
-  <p:timing>
-    <p:tnLst>
-      <p:par>
-        <p:cTn id="1" dur="indefinite" restart="never" nodeType="tmRoot"/>
-      </p:par>
-    </p:tnLst>
-  </p:timing>
 </p:sld>
 </file>
 
@@ -5341,10 +5759,9 @@
           <a:lstStyle/>
           <a:p>
             <a:r>
-              <a:rPr lang="pl-PL" dirty="0" smtClean="0"/>
+              <a:rPr lang="pl-PL" dirty="0"/>
               <a:t>Instrukcja użytkownika - przykład</a:t>
             </a:r>
-            <a:endParaRPr lang="pl-PL" dirty="0"/>
           </a:p>
         </p:txBody>
       </p:sp>
@@ -5769,33 +6186,82 @@
         </p:nvSpPr>
         <p:spPr/>
         <p:txBody>
-          <a:bodyPr/>
-          <a:lstStyle/>
-          <a:p>
-            <a:r>
-              <a:rPr lang="pl-PL" dirty="0" smtClean="0"/>
-              <a:t>Diagramy TOD</a:t>
-            </a:r>
+          <a:bodyPr>
+            <a:normAutofit/>
+          </a:bodyPr>
+          <a:lstStyle/>
+          <a:p>
+            <a:r>
+              <a:rPr lang="pl-PL" dirty="0"/>
+              <a:t>Wzorzec projektowy - MVC</a:t>
+            </a:r>
+          </a:p>
+        </p:txBody>
+      </p:sp>
+      <p:pic>
+        <p:nvPicPr>
+          <p:cNvPr id="5" name="Symbol zastępczy zawartości 4" descr="Obraz zawierający tekst, mapa&#10;&#10;Opis wygenerowany automatycznie">
+            <a:extLst>
+              <a:ext uri="{FF2B5EF4-FFF2-40B4-BE49-F238E27FC236}">
+                <a16:creationId xmlns:a16="http://schemas.microsoft.com/office/drawing/2014/main" id="{64610579-EB99-4011-B34A-71987863C94A}"/>
+              </a:ext>
+            </a:extLst>
+          </p:cNvPr>
+          <p:cNvPicPr>
+            <a:picLocks noGrp="1" noChangeAspect="1"/>
+          </p:cNvPicPr>
+          <p:nvPr>
+            <p:ph idx="1"/>
+          </p:nvPr>
+        </p:nvPicPr>
+        <p:blipFill>
+          <a:blip r:embed="rId3">
+            <a:extLst>
+              <a:ext uri="{28A0092B-C50C-407E-A947-70E740481C1C}">
+                <a14:useLocalDpi xmlns:a14="http://schemas.microsoft.com/office/drawing/2010/main" val="0"/>
+              </a:ext>
+            </a:extLst>
+          </a:blip>
+          <a:stretch>
+            <a:fillRect/>
+          </a:stretch>
+        </p:blipFill>
+        <p:spPr>
+          <a:xfrm>
+            <a:off x="971600" y="2276872"/>
+            <a:ext cx="7488832" cy="4255896"/>
+          </a:xfrm>
+        </p:spPr>
+      </p:pic>
+      <p:sp>
+        <p:nvSpPr>
+          <p:cNvPr id="6" name="pole tekstowe 5">
+            <a:extLst>
+              <a:ext uri="{FF2B5EF4-FFF2-40B4-BE49-F238E27FC236}">
+                <a16:creationId xmlns:a16="http://schemas.microsoft.com/office/drawing/2014/main" id="{A774485A-46CA-42A6-8FC4-2F2067A06262}"/>
+              </a:ext>
+            </a:extLst>
+          </p:cNvPr>
+          <p:cNvSpPr txBox="1"/>
+          <p:nvPr/>
+        </p:nvSpPr>
+        <p:spPr>
+          <a:xfrm>
+            <a:off x="457200" y="3429000"/>
+            <a:ext cx="1450504" cy="1219201"/>
+          </a:xfrm>
+          <a:prstGeom prst="rect">
+            <a:avLst/>
+          </a:prstGeom>
+          <a:noFill/>
+        </p:spPr>
+        <p:txBody>
+          <a:bodyPr wrap="square" rtlCol="0">
+            <a:spAutoFit/>
+          </a:bodyPr>
+          <a:lstStyle/>
+          <a:p>
             <a:endParaRPr lang="pl-PL" dirty="0"/>
-          </a:p>
-        </p:txBody>
-      </p:sp>
-      <p:sp>
-        <p:nvSpPr>
-          <p:cNvPr id="3" name="Symbol zastępczy zawartości 2"/>
-          <p:cNvSpPr>
-            <a:spLocks noGrp="1"/>
-          </p:cNvSpPr>
-          <p:nvPr>
-            <p:ph idx="1"/>
-          </p:nvPr>
-        </p:nvSpPr>
-        <p:spPr/>
-        <p:txBody>
-          <a:bodyPr/>
-          <a:lstStyle/>
-          <a:p>
-            <a:endParaRPr lang="pl-PL"/>
           </a:p>
         </p:txBody>
       </p:sp>
@@ -5809,13 +6275,6 @@
   <p:clrMapOvr>
     <a:masterClrMapping/>
   </p:clrMapOvr>
-  <p:timing>
-    <p:tnLst>
-      <p:par>
-        <p:cTn id="1" dur="indefinite" restart="never" nodeType="tmRoot"/>
-      </p:par>
-    </p:tnLst>
-  </p:timing>
 </p:sld>
 </file>
 
@@ -5852,10 +6311,9 @@
           <a:lstStyle/>
           <a:p>
             <a:r>
-              <a:rPr lang="pl-PL" dirty="0" smtClean="0"/>
+              <a:rPr lang="pl-PL" dirty="0"/>
               <a:t>Kod</a:t>
             </a:r>
-            <a:endParaRPr lang="pl-PL" dirty="0"/>
           </a:p>
         </p:txBody>
       </p:sp>
@@ -6220,14 +6678,13 @@
           <a:lstStyle/>
           <a:p>
             <a:r>
-              <a:rPr lang="pl-PL" dirty="0" err="1" smtClean="0"/>
+              <a:rPr lang="pl-PL" dirty="0" err="1"/>
               <a:t>Backend</a:t>
             </a:r>
             <a:r>
-              <a:rPr lang="pl-PL" dirty="0" smtClean="0"/>
+              <a:rPr lang="pl-PL" dirty="0"/>
               <a:t> i ujednolicone metody</a:t>
             </a:r>
-            <a:endParaRPr lang="pl-PL" dirty="0"/>
           </a:p>
         </p:txBody>
       </p:sp>
@@ -6502,10 +6959,9 @@
           <a:lstStyle/>
           <a:p>
             <a:r>
-              <a:rPr lang="pl-PL" dirty="0" smtClean="0"/>
+              <a:rPr lang="pl-PL" dirty="0"/>
               <a:t>Jeden formularz, kilka zastosowań</a:t>
             </a:r>
-            <a:endParaRPr lang="pl-PL" dirty="0"/>
           </a:p>
         </p:txBody>
       </p:sp>
@@ -6759,13 +7215,6 @@
   <p:clrMapOvr>
     <a:masterClrMapping/>
   </p:clrMapOvr>
-  <p:timing>
-    <p:tnLst>
-      <p:par>
-        <p:cTn id="1" dur="indefinite" restart="never" nodeType="tmRoot"/>
-      </p:par>
-    </p:tnLst>
-  </p:timing>
 </p:sld>
 </file>
 
@@ -6802,14 +7251,13 @@
           <a:lstStyle/>
           <a:p>
             <a:r>
-              <a:rPr lang="pl-PL" dirty="0" err="1" smtClean="0"/>
+              <a:rPr lang="pl-PL" dirty="0" err="1"/>
               <a:t>handleChange</a:t>
             </a:r>
             <a:r>
-              <a:rPr lang="pl-PL" dirty="0" smtClean="0"/>
+              <a:rPr lang="pl-PL" dirty="0"/>
               <a:t> do wszystkiego</a:t>
             </a:r>
-            <a:endParaRPr lang="pl-PL" dirty="0"/>
           </a:p>
         </p:txBody>
       </p:sp>
@@ -6889,13 +7337,6 @@
   <p:clrMapOvr>
     <a:masterClrMapping/>
   </p:clrMapOvr>
-  <p:timing>
-    <p:tnLst>
-      <p:par>
-        <p:cTn id="1" dur="indefinite" restart="never" nodeType="tmRoot"/>
-      </p:par>
-    </p:tnLst>
-  </p:timing>
 </p:sld>
 </file>
 
@@ -7179,4 +7620,299 @@
   <a:objectDefaults/>
   <a:extraClrSchemeLst/>
 </a:theme>
+</file>
+
+<file path=ppt/theme/theme2.xml><?xml version="1.0" encoding="utf-8"?>
+<a:theme xmlns:a="http://schemas.openxmlformats.org/drawingml/2006/main" name="Motyw pakietu Office">
+  <a:themeElements>
+    <a:clrScheme name="Pakiet Office">
+      <a:dk1>
+        <a:sysClr val="windowText" lastClr="000000"/>
+      </a:dk1>
+      <a:lt1>
+        <a:sysClr val="window" lastClr="FFFFFF"/>
+      </a:lt1>
+      <a:dk2>
+        <a:srgbClr val="44546A"/>
+      </a:dk2>
+      <a:lt2>
+        <a:srgbClr val="E7E6E6"/>
+      </a:lt2>
+      <a:accent1>
+        <a:srgbClr val="4472C4"/>
+      </a:accent1>
+      <a:accent2>
+        <a:srgbClr val="ED7D31"/>
+      </a:accent2>
+      <a:accent3>
+        <a:srgbClr val="A5A5A5"/>
+      </a:accent3>
+      <a:accent4>
+        <a:srgbClr val="FFC000"/>
+      </a:accent4>
+      <a:accent5>
+        <a:srgbClr val="5B9BD5"/>
+      </a:accent5>
+      <a:accent6>
+        <a:srgbClr val="70AD47"/>
+      </a:accent6>
+      <a:hlink>
+        <a:srgbClr val="0563C1"/>
+      </a:hlink>
+      <a:folHlink>
+        <a:srgbClr val="954F72"/>
+      </a:folHlink>
+    </a:clrScheme>
+    <a:fontScheme name="Pakiet Office">
+      <a:majorFont>
+        <a:latin typeface="Calibri Light" panose="020F0302020204030204"/>
+        <a:ea typeface=""/>
+        <a:cs typeface=""/>
+        <a:font script="Jpan" typeface="游ゴシック Light"/>
+        <a:font script="Hang" typeface="맑은 고딕"/>
+        <a:font script="Hans" typeface="等线 Light"/>
+        <a:font script="Hant" typeface="新細明體"/>
+        <a:font script="Arab" typeface="Times New Roman"/>
+        <a:font script="Hebr" typeface="Times New Roman"/>
+        <a:font script="Thai" typeface="Angsana New"/>
+        <a:font script="Ethi" typeface="Nyala"/>
+        <a:font script="Beng" typeface="Vrinda"/>
+        <a:font script="Gujr" typeface="Shruti"/>
+        <a:font script="Khmr" typeface="MoolBoran"/>
+        <a:font script="Knda" typeface="Tunga"/>
+        <a:font script="Guru" typeface="Raavi"/>
+        <a:font script="Cans" typeface="Euphemia"/>
+        <a:font script="Cher" typeface="Plantagenet Cherokee"/>
+        <a:font script="Yiii" typeface="Microsoft Yi Baiti"/>
+        <a:font script="Tibt" typeface="Microsoft Himalaya"/>
+        <a:font script="Thaa" typeface="MV Boli"/>
+        <a:font script="Deva" typeface="Mangal"/>
+        <a:font script="Telu" typeface="Gautami"/>
+        <a:font script="Taml" typeface="Latha"/>
+        <a:font script="Syrc" typeface="Estrangelo Edessa"/>
+        <a:font script="Orya" typeface="Kalinga"/>
+        <a:font script="Mlym" typeface="Kartika"/>
+        <a:font script="Laoo" typeface="DokChampa"/>
+        <a:font script="Sinh" typeface="Iskoola Pota"/>
+        <a:font script="Mong" typeface="Mongolian Baiti"/>
+        <a:font script="Viet" typeface="Times New Roman"/>
+        <a:font script="Uigh" typeface="Microsoft Uighur"/>
+        <a:font script="Geor" typeface="Sylfaen"/>
+        <a:font script="Armn" typeface="Arial"/>
+        <a:font script="Bugi" typeface="Leelawadee UI"/>
+        <a:font script="Bopo" typeface="Microsoft JhengHei"/>
+        <a:font script="Java" typeface="Javanese Text"/>
+        <a:font script="Lisu" typeface="Segoe UI"/>
+        <a:font script="Mymr" typeface="Myanmar Text"/>
+        <a:font script="Nkoo" typeface="Ebrima"/>
+        <a:font script="Olck" typeface="Nirmala UI"/>
+        <a:font script="Osma" typeface="Ebrima"/>
+        <a:font script="Phag" typeface="Phagspa"/>
+        <a:font script="Syrn" typeface="Estrangelo Edessa"/>
+        <a:font script="Syrj" typeface="Estrangelo Edessa"/>
+        <a:font script="Syre" typeface="Estrangelo Edessa"/>
+        <a:font script="Sora" typeface="Nirmala UI"/>
+        <a:font script="Tale" typeface="Microsoft Tai Le"/>
+        <a:font script="Talu" typeface="Microsoft New Tai Lue"/>
+        <a:font script="Tfng" typeface="Ebrima"/>
+      </a:majorFont>
+      <a:minorFont>
+        <a:latin typeface="Calibri" panose="020F0502020204030204"/>
+        <a:ea typeface=""/>
+        <a:cs typeface=""/>
+        <a:font script="Jpan" typeface="游ゴシック"/>
+        <a:font script="Hang" typeface="맑은 고딕"/>
+        <a:font script="Hans" typeface="等线"/>
+        <a:font script="Hant" typeface="新細明體"/>
+        <a:font script="Arab" typeface="Arial"/>
+        <a:font script="Hebr" typeface="Arial"/>
+        <a:font script="Thai" typeface="Cordia New"/>
+        <a:font script="Ethi" typeface="Nyala"/>
+        <a:font script="Beng" typeface="Vrinda"/>
+        <a:font script="Gujr" typeface="Shruti"/>
+        <a:font script="Khmr" typeface="DaunPenh"/>
+        <a:font script="Knda" typeface="Tunga"/>
+        <a:font script="Guru" typeface="Raavi"/>
+        <a:font script="Cans" typeface="Euphemia"/>
+        <a:font script="Cher" typeface="Plantagenet Cherokee"/>
+        <a:font script="Yiii" typeface="Microsoft Yi Baiti"/>
+        <a:font script="Tibt" typeface="Microsoft Himalaya"/>
+        <a:font script="Thaa" typeface="MV Boli"/>
+        <a:font script="Deva" typeface="Mangal"/>
+        <a:font script="Telu" typeface="Gautami"/>
+        <a:font script="Taml" typeface="Latha"/>
+        <a:font script="Syrc" typeface="Estrangelo Edessa"/>
+        <a:font script="Orya" typeface="Kalinga"/>
+        <a:font script="Mlym" typeface="Kartika"/>
+        <a:font script="Laoo" typeface="DokChampa"/>
+        <a:font script="Sinh" typeface="Iskoola Pota"/>
+        <a:font script="Mong" typeface="Mongolian Baiti"/>
+        <a:font script="Viet" typeface="Arial"/>
+        <a:font script="Uigh" typeface="Microsoft Uighur"/>
+        <a:font script="Geor" typeface="Sylfaen"/>
+        <a:font script="Armn" typeface="Arial"/>
+        <a:font script="Bugi" typeface="Leelawadee UI"/>
+        <a:font script="Bopo" typeface="Microsoft JhengHei"/>
+        <a:font script="Java" typeface="Javanese Text"/>
+        <a:font script="Lisu" typeface="Segoe UI"/>
+        <a:font script="Mymr" typeface="Myanmar Text"/>
+        <a:font script="Nkoo" typeface="Ebrima"/>
+        <a:font script="Olck" typeface="Nirmala UI"/>
+        <a:font script="Osma" typeface="Ebrima"/>
+        <a:font script="Phag" typeface="Phagspa"/>
+        <a:font script="Syrn" typeface="Estrangelo Edessa"/>
+        <a:font script="Syrj" typeface="Estrangelo Edessa"/>
+        <a:font script="Syre" typeface="Estrangelo Edessa"/>
+        <a:font script="Sora" typeface="Nirmala UI"/>
+        <a:font script="Tale" typeface="Microsoft Tai Le"/>
+        <a:font script="Talu" typeface="Microsoft New Tai Lue"/>
+        <a:font script="Tfng" typeface="Ebrima"/>
+      </a:minorFont>
+    </a:fontScheme>
+    <a:fmtScheme name="Pakiet Office">
+      <a:fillStyleLst>
+        <a:solidFill>
+          <a:schemeClr val="phClr"/>
+        </a:solidFill>
+        <a:gradFill rotWithShape="1">
+          <a:gsLst>
+            <a:gs pos="0">
+              <a:schemeClr val="phClr">
+                <a:lumMod val="110000"/>
+                <a:satMod val="105000"/>
+                <a:tint val="67000"/>
+              </a:schemeClr>
+            </a:gs>
+            <a:gs pos="50000">
+              <a:schemeClr val="phClr">
+                <a:lumMod val="105000"/>
+                <a:satMod val="103000"/>
+                <a:tint val="73000"/>
+              </a:schemeClr>
+            </a:gs>
+            <a:gs pos="100000">
+              <a:schemeClr val="phClr">
+                <a:lumMod val="105000"/>
+                <a:satMod val="109000"/>
+                <a:tint val="81000"/>
+              </a:schemeClr>
+            </a:gs>
+          </a:gsLst>
+          <a:lin ang="5400000" scaled="0"/>
+        </a:gradFill>
+        <a:gradFill rotWithShape="1">
+          <a:gsLst>
+            <a:gs pos="0">
+              <a:schemeClr val="phClr">
+                <a:satMod val="103000"/>
+                <a:lumMod val="102000"/>
+                <a:tint val="94000"/>
+              </a:schemeClr>
+            </a:gs>
+            <a:gs pos="50000">
+              <a:schemeClr val="phClr">
+                <a:satMod val="110000"/>
+                <a:lumMod val="100000"/>
+                <a:shade val="100000"/>
+              </a:schemeClr>
+            </a:gs>
+            <a:gs pos="100000">
+              <a:schemeClr val="phClr">
+                <a:lumMod val="99000"/>
+                <a:satMod val="120000"/>
+                <a:shade val="78000"/>
+              </a:schemeClr>
+            </a:gs>
+          </a:gsLst>
+          <a:lin ang="5400000" scaled="0"/>
+        </a:gradFill>
+      </a:fillStyleLst>
+      <a:lnStyleLst>
+        <a:ln w="6350" cap="flat" cmpd="sng" algn="ctr">
+          <a:solidFill>
+            <a:schemeClr val="phClr"/>
+          </a:solidFill>
+          <a:prstDash val="solid"/>
+          <a:miter lim="800000"/>
+        </a:ln>
+        <a:ln w="12700" cap="flat" cmpd="sng" algn="ctr">
+          <a:solidFill>
+            <a:schemeClr val="phClr"/>
+          </a:solidFill>
+          <a:prstDash val="solid"/>
+          <a:miter lim="800000"/>
+        </a:ln>
+        <a:ln w="19050" cap="flat" cmpd="sng" algn="ctr">
+          <a:solidFill>
+            <a:schemeClr val="phClr"/>
+          </a:solidFill>
+          <a:prstDash val="solid"/>
+          <a:miter lim="800000"/>
+        </a:ln>
+      </a:lnStyleLst>
+      <a:effectStyleLst>
+        <a:effectStyle>
+          <a:effectLst/>
+        </a:effectStyle>
+        <a:effectStyle>
+          <a:effectLst/>
+        </a:effectStyle>
+        <a:effectStyle>
+          <a:effectLst>
+            <a:outerShdw blurRad="57150" dist="19050" dir="5400000" algn="ctr" rotWithShape="0">
+              <a:srgbClr val="000000">
+                <a:alpha val="63000"/>
+              </a:srgbClr>
+            </a:outerShdw>
+          </a:effectLst>
+        </a:effectStyle>
+      </a:effectStyleLst>
+      <a:bgFillStyleLst>
+        <a:solidFill>
+          <a:schemeClr val="phClr"/>
+        </a:solidFill>
+        <a:solidFill>
+          <a:schemeClr val="phClr">
+            <a:tint val="95000"/>
+            <a:satMod val="170000"/>
+          </a:schemeClr>
+        </a:solidFill>
+        <a:gradFill rotWithShape="1">
+          <a:gsLst>
+            <a:gs pos="0">
+              <a:schemeClr val="phClr">
+                <a:tint val="93000"/>
+                <a:satMod val="150000"/>
+                <a:shade val="98000"/>
+                <a:lumMod val="102000"/>
+              </a:schemeClr>
+            </a:gs>
+            <a:gs pos="50000">
+              <a:schemeClr val="phClr">
+                <a:tint val="98000"/>
+                <a:satMod val="130000"/>
+                <a:shade val="90000"/>
+                <a:lumMod val="103000"/>
+              </a:schemeClr>
+            </a:gs>
+            <a:gs pos="100000">
+              <a:schemeClr val="phClr">
+                <a:shade val="63000"/>
+                <a:satMod val="120000"/>
+              </a:schemeClr>
+            </a:gs>
+          </a:gsLst>
+          <a:lin ang="5400000" scaled="0"/>
+        </a:gradFill>
+      </a:bgFillStyleLst>
+    </a:fmtScheme>
+  </a:themeElements>
+  <a:objectDefaults/>
+  <a:extraClrSchemeLst/>
+  <a:extLst>
+    <a:ext uri="{05A4C25C-085E-4340-85A3-A5531E510DB2}">
+      <thm15:themeFamily xmlns:thm15="http://schemas.microsoft.com/office/thememl/2012/main" name="Office Theme" id="{62F939B6-93AF-4DB8-9C6B-D6C7DFDC589F}" vid="{4A3C46E8-61CC-4603-A589-7422A47A8E4A}"/>
+    </a:ext>
+  </a:extLst>
+</a:theme>
 </file>